--- a/images/封面设计.pptx
+++ b/images/封面设计.pptx
@@ -6,6 +6,7 @@
   </p:sldMasterIdLst>
   <p:sldIdLst>
     <p:sldId id="256" r:id="rId2"/>
+    <p:sldId id="257" r:id="rId3"/>
   </p:sldIdLst>
   <p:sldSz cx="12192000" cy="6858000"/>
   <p:notesSz cx="6858000" cy="9144000"/>
@@ -3401,7 +3402,7 @@
             <a:avLst/>
           </a:prstGeom>
           <a:solidFill>
-            <a:srgbClr val="334B47"/>
+            <a:srgbClr val="172533"/>
           </a:solidFill>
           <a:ln>
             <a:noFill/>
@@ -3461,7 +3462,7 @@
         </p:blipFill>
         <p:spPr bwMode="auto">
           <a:xfrm>
-            <a:off x="1155030" y="2077448"/>
+            <a:off x="1155030" y="2089481"/>
             <a:ext cx="8572500" cy="3733800"/>
           </a:xfrm>
           <a:prstGeom prst="rect">
@@ -3493,7 +3494,7 @@
         </p:nvSpPr>
         <p:spPr>
           <a:xfrm>
-            <a:off x="3127214" y="1331830"/>
+            <a:off x="3127214" y="1335841"/>
             <a:ext cx="3007895" cy="677108"/>
           </a:xfrm>
           <a:prstGeom prst="rect">
@@ -3530,7 +3531,7 @@
                 <a:latin typeface="微软雅黑" panose="020B0503020204020204" pitchFamily="34" charset="-122"/>
                 <a:ea typeface="微软雅黑" panose="020B0503020204020204" pitchFamily="34" charset="-122"/>
               </a:rPr>
-              <a:t>人体感知研究组</a:t>
+              <a:t>人体感知实验室</a:t>
             </a:r>
             <a:endParaRPr lang="en-US" altLang="zh-CN" sz="2400" b="1">
               <a:solidFill>
@@ -3565,7 +3566,7 @@
                 <a:ea typeface="微软雅黑" panose="020B0503020204020204" pitchFamily="34" charset="-122"/>
                 <a:cs typeface="Arial" panose="020B0604020202020204" pitchFamily="34" charset="0"/>
               </a:rPr>
-              <a:t>Body</a:t>
+              <a:t>H</a:t>
             </a:r>
             <a:r>
               <a:rPr lang="en-US" altLang="zh-CN" sz="1400" b="1">
@@ -3583,7 +3584,7 @@
                 <a:ea typeface="微软雅黑" panose="020B0503020204020204" pitchFamily="34" charset="-122"/>
                 <a:cs typeface="Arial" panose="020B0604020202020204" pitchFamily="34" charset="0"/>
               </a:rPr>
-              <a:t> </a:t>
+              <a:t>uman </a:t>
             </a:r>
             <a:r>
               <a:rPr lang="en-US" altLang="zh-CN" sz="1400" b="1">
@@ -3601,7 +3602,7 @@
                 <a:ea typeface="微软雅黑" panose="020B0503020204020204" pitchFamily="34" charset="-122"/>
                 <a:cs typeface="Arial" panose="020B0604020202020204" pitchFamily="34" charset="0"/>
               </a:rPr>
-              <a:t>Perception</a:t>
+              <a:t>P</a:t>
             </a:r>
             <a:r>
               <a:rPr lang="en-US" altLang="zh-CN" sz="1400" b="1">
@@ -3619,7 +3620,7 @@
                 <a:ea typeface="微软雅黑" panose="020B0503020204020204" pitchFamily="34" charset="-122"/>
                 <a:cs typeface="Arial" panose="020B0604020202020204" pitchFamily="34" charset="0"/>
               </a:rPr>
-              <a:t> </a:t>
+              <a:t>erception </a:t>
             </a:r>
             <a:r>
               <a:rPr lang="en-US" altLang="zh-CN" sz="1400" b="1">
@@ -3637,11 +3638,29 @@
                 <a:ea typeface="微软雅黑" panose="020B0503020204020204" pitchFamily="34" charset="-122"/>
                 <a:cs typeface="Arial" panose="020B0604020202020204" pitchFamily="34" charset="0"/>
               </a:rPr>
-              <a:t>Group</a:t>
+              <a:t>L</a:t>
+            </a:r>
+            <a:r>
+              <a:rPr lang="en-US" altLang="zh-CN" sz="1400" b="1">
+                <a:solidFill>
+                  <a:schemeClr val="bg1"/>
+                </a:solidFill>
+                <a:effectLst>
+                  <a:outerShdw blurRad="50800" dist="38100" dir="2700000" algn="tl" rotWithShape="0">
+                    <a:prstClr val="black">
+                      <a:alpha val="40000"/>
+                    </a:prstClr>
+                  </a:outerShdw>
+                </a:effectLst>
+                <a:latin typeface="微软雅黑" panose="020B0503020204020204" pitchFamily="34" charset="-122"/>
+                <a:ea typeface="微软雅黑" panose="020B0503020204020204" pitchFamily="34" charset="-122"/>
+                <a:cs typeface="Arial" panose="020B0604020202020204" pitchFamily="34" charset="0"/>
+              </a:rPr>
+              <a:t>aboratory</a:t>
             </a:r>
             <a:endParaRPr lang="zh-CN" altLang="en-US" sz="1400" b="1">
               <a:solidFill>
-                <a:srgbClr val="FFFF00"/>
+                <a:schemeClr val="bg1"/>
               </a:solidFill>
               <a:effectLst>
                 <a:outerShdw blurRad="50800" dist="38100" dir="2700000" algn="tl" rotWithShape="0">
@@ -3659,131 +3678,6 @@
       </p:sp>
       <p:sp>
         <p:nvSpPr>
-          <p:cNvPr id="6" name="文本框 5">
-            <a:extLst>
-              <a:ext uri="{FF2B5EF4-FFF2-40B4-BE49-F238E27FC236}">
-                <a16:creationId xmlns:a16="http://schemas.microsoft.com/office/drawing/2014/main" id="{405C7A49-1A36-2A39-2926-1BDAABE6140F}"/>
-              </a:ext>
-            </a:extLst>
-          </p:cNvPr>
-          <p:cNvSpPr txBox="1"/>
-          <p:nvPr/>
-        </p:nvSpPr>
-        <p:spPr>
-          <a:xfrm>
-            <a:off x="1074819" y="1134476"/>
-            <a:ext cx="2193758" cy="1015663"/>
-          </a:xfrm>
-          <a:prstGeom prst="rect">
-            <a:avLst/>
-          </a:prstGeom>
-          <a:noFill/>
-        </p:spPr>
-        <p:txBody>
-          <a:bodyPr wrap="square">
-            <a:spAutoFit/>
-            <a:scene3d>
-              <a:camera prst="orthographicFront"/>
-              <a:lightRig rig="threePt" dir="t"/>
-            </a:scene3d>
-            <a:sp3d extrusionH="50800" contourW="12700">
-              <a:bevelT w="25400" h="101600"/>
-              <a:bevelB w="6350"/>
-            </a:sp3d>
-          </a:bodyPr>
-          <a:lstStyle/>
-          <a:p>
-            <a:pPr algn="ctr"/>
-            <a:r>
-              <a:rPr lang="en-US" altLang="zh-CN" sz="6000" b="1">
-                <a:solidFill>
-                  <a:srgbClr val="FF0000"/>
-                </a:solidFill>
-                <a:effectLst>
-                  <a:glow>
-                    <a:schemeClr val="accent1">
-                      <a:alpha val="40000"/>
-                    </a:schemeClr>
-                  </a:glow>
-                  <a:outerShdw blurRad="50800" dist="38100" dir="2700000" algn="tl" rotWithShape="0">
-                    <a:prstClr val="black">
-                      <a:alpha val="40000"/>
-                    </a:prstClr>
-                  </a:outerShdw>
-                </a:effectLst>
-                <a:latin typeface="Cooper Black" panose="0208090404030B020404" pitchFamily="18" charset="0"/>
-                <a:cs typeface="Arial" panose="020B0604020202020204" pitchFamily="34" charset="0"/>
-              </a:rPr>
-              <a:t>B</a:t>
-            </a:r>
-            <a:r>
-              <a:rPr lang="en-US" altLang="zh-CN" sz="6000" b="1">
-                <a:solidFill>
-                  <a:srgbClr val="00FF00"/>
-                </a:solidFill>
-                <a:effectLst>
-                  <a:glow>
-                    <a:schemeClr val="accent1">
-                      <a:alpha val="40000"/>
-                    </a:schemeClr>
-                  </a:glow>
-                  <a:outerShdw blurRad="50800" dist="38100" dir="2700000" algn="tl" rotWithShape="0">
-                    <a:prstClr val="black">
-                      <a:alpha val="40000"/>
-                    </a:prstClr>
-                  </a:outerShdw>
-                </a:effectLst>
-                <a:latin typeface="Cooper Black" panose="0208090404030B020404" pitchFamily="18" charset="0"/>
-                <a:cs typeface="Arial" panose="020B0604020202020204" pitchFamily="34" charset="0"/>
-              </a:rPr>
-              <a:t>P</a:t>
-            </a:r>
-            <a:r>
-              <a:rPr lang="en-US" altLang="zh-CN" sz="6000" b="1">
-                <a:solidFill>
-                  <a:srgbClr val="FFFF00"/>
-                </a:solidFill>
-                <a:effectLst>
-                  <a:glow>
-                    <a:schemeClr val="accent1">
-                      <a:alpha val="40000"/>
-                    </a:schemeClr>
-                  </a:glow>
-                  <a:outerShdw blurRad="50800" dist="38100" dir="2700000" algn="tl" rotWithShape="0">
-                    <a:prstClr val="black">
-                      <a:alpha val="40000"/>
-                    </a:prstClr>
-                  </a:outerShdw>
-                </a:effectLst>
-                <a:latin typeface="Cooper Black" panose="0208090404030B020404" pitchFamily="18" charset="0"/>
-                <a:cs typeface="Arial" panose="020B0604020202020204" pitchFamily="34" charset="0"/>
-              </a:rPr>
-              <a:t>G</a:t>
-            </a:r>
-            <a:endParaRPr lang="zh-CN" altLang="en-US" sz="6000" b="1">
-              <a:solidFill>
-                <a:srgbClr val="FFFF00"/>
-              </a:solidFill>
-              <a:effectLst>
-                <a:glow>
-                  <a:schemeClr val="accent1">
-                    <a:alpha val="40000"/>
-                  </a:schemeClr>
-                </a:glow>
-                <a:outerShdw blurRad="50800" dist="38100" dir="2700000" algn="tl" rotWithShape="0">
-                  <a:prstClr val="black">
-                    <a:alpha val="40000"/>
-                  </a:prstClr>
-                </a:outerShdw>
-              </a:effectLst>
-              <a:latin typeface="Cooper Black" panose="0208090404030B020404" pitchFamily="18" charset="0"/>
-              <a:cs typeface="Arial" panose="020B0604020202020204" pitchFamily="34" charset="0"/>
-            </a:endParaRPr>
-          </a:p>
-        </p:txBody>
-      </p:sp>
-      <p:sp>
-        <p:nvSpPr>
           <p:cNvPr id="15" name="文本框 14">
             <a:extLst>
               <a:ext uri="{FF2B5EF4-FFF2-40B4-BE49-F238E27FC236}">
@@ -3894,10 +3788,1712 @@
           </a:p>
         </p:txBody>
       </p:sp>
+      <p:sp>
+        <p:nvSpPr>
+          <p:cNvPr id="41" name="矩形 40">
+            <a:extLst>
+              <a:ext uri="{FF2B5EF4-FFF2-40B4-BE49-F238E27FC236}">
+                <a16:creationId xmlns:a16="http://schemas.microsoft.com/office/drawing/2014/main" id="{4DF66CFD-D6BC-6DB4-4324-0FBFDC9D74A4}"/>
+              </a:ext>
+            </a:extLst>
+          </p:cNvPr>
+          <p:cNvSpPr/>
+          <p:nvPr/>
+        </p:nvSpPr>
+        <p:spPr>
+          <a:xfrm>
+            <a:off x="1438887" y="1388874"/>
+            <a:ext cx="162560" cy="530890"/>
+          </a:xfrm>
+          <a:prstGeom prst="rect">
+            <a:avLst/>
+          </a:prstGeom>
+          <a:solidFill>
+            <a:srgbClr val="FF0000"/>
+          </a:solidFill>
+          <a:ln>
+            <a:noFill/>
+          </a:ln>
+        </p:spPr>
+        <p:style>
+          <a:lnRef idx="2">
+            <a:schemeClr val="accent1">
+              <a:shade val="50000"/>
+            </a:schemeClr>
+          </a:lnRef>
+          <a:fillRef idx="1">
+            <a:schemeClr val="accent1"/>
+          </a:fillRef>
+          <a:effectRef idx="0">
+            <a:schemeClr val="accent1"/>
+          </a:effectRef>
+          <a:fontRef idx="minor">
+            <a:schemeClr val="lt1"/>
+          </a:fontRef>
+        </p:style>
+        <p:txBody>
+          <a:bodyPr rtlCol="0" anchor="ctr"/>
+          <a:lstStyle/>
+          <a:p>
+            <a:pPr algn="ctr"/>
+            <a:endParaRPr lang="zh-CN" altLang="en-US"/>
+          </a:p>
+        </p:txBody>
+      </p:sp>
+      <p:sp>
+        <p:nvSpPr>
+          <p:cNvPr id="42" name="矩形 41">
+            <a:extLst>
+              <a:ext uri="{FF2B5EF4-FFF2-40B4-BE49-F238E27FC236}">
+                <a16:creationId xmlns:a16="http://schemas.microsoft.com/office/drawing/2014/main" id="{4FB3F61A-DD63-0A56-4C40-04A68BF8F184}"/>
+              </a:ext>
+            </a:extLst>
+          </p:cNvPr>
+          <p:cNvSpPr/>
+          <p:nvPr/>
+        </p:nvSpPr>
+        <p:spPr>
+          <a:xfrm>
+            <a:off x="1812037" y="1388874"/>
+            <a:ext cx="59356" cy="530890"/>
+          </a:xfrm>
+          <a:prstGeom prst="rect">
+            <a:avLst/>
+          </a:prstGeom>
+          <a:solidFill>
+            <a:srgbClr val="FF0000"/>
+          </a:solidFill>
+          <a:ln>
+            <a:noFill/>
+          </a:ln>
+        </p:spPr>
+        <p:style>
+          <a:lnRef idx="2">
+            <a:schemeClr val="accent1">
+              <a:shade val="50000"/>
+            </a:schemeClr>
+          </a:lnRef>
+          <a:fillRef idx="1">
+            <a:schemeClr val="accent1"/>
+          </a:fillRef>
+          <a:effectRef idx="0">
+            <a:schemeClr val="accent1"/>
+          </a:effectRef>
+          <a:fontRef idx="minor">
+            <a:schemeClr val="lt1"/>
+          </a:fontRef>
+        </p:style>
+        <p:txBody>
+          <a:bodyPr rtlCol="0" anchor="ctr"/>
+          <a:lstStyle/>
+          <a:p>
+            <a:pPr algn="ctr"/>
+            <a:endParaRPr lang="zh-CN" altLang="en-US"/>
+          </a:p>
+        </p:txBody>
+      </p:sp>
+      <p:sp>
+        <p:nvSpPr>
+          <p:cNvPr id="43" name="矩形 42">
+            <a:extLst>
+              <a:ext uri="{FF2B5EF4-FFF2-40B4-BE49-F238E27FC236}">
+                <a16:creationId xmlns:a16="http://schemas.microsoft.com/office/drawing/2014/main" id="{ABB4FFA9-DBC2-0BFB-646B-82619D3E0215}"/>
+              </a:ext>
+            </a:extLst>
+          </p:cNvPr>
+          <p:cNvSpPr/>
+          <p:nvPr/>
+        </p:nvSpPr>
+        <p:spPr>
+          <a:xfrm>
+            <a:off x="1438887" y="1576217"/>
+            <a:ext cx="427310" cy="50379"/>
+          </a:xfrm>
+          <a:prstGeom prst="rect">
+            <a:avLst/>
+          </a:prstGeom>
+          <a:solidFill>
+            <a:srgbClr val="FF0000"/>
+          </a:solidFill>
+          <a:ln>
+            <a:noFill/>
+          </a:ln>
+        </p:spPr>
+        <p:style>
+          <a:lnRef idx="2">
+            <a:schemeClr val="accent1">
+              <a:shade val="50000"/>
+            </a:schemeClr>
+          </a:lnRef>
+          <a:fillRef idx="1">
+            <a:schemeClr val="accent1"/>
+          </a:fillRef>
+          <a:effectRef idx="0">
+            <a:schemeClr val="accent1"/>
+          </a:effectRef>
+          <a:fontRef idx="minor">
+            <a:schemeClr val="lt1"/>
+          </a:fontRef>
+        </p:style>
+        <p:txBody>
+          <a:bodyPr rtlCol="0" anchor="ctr"/>
+          <a:lstStyle/>
+          <a:p>
+            <a:pPr algn="ctr"/>
+            <a:endParaRPr lang="zh-CN" altLang="en-US"/>
+          </a:p>
+        </p:txBody>
+      </p:sp>
+      <p:sp>
+        <p:nvSpPr>
+          <p:cNvPr id="44" name="矩形 43">
+            <a:extLst>
+              <a:ext uri="{FF2B5EF4-FFF2-40B4-BE49-F238E27FC236}">
+                <a16:creationId xmlns:a16="http://schemas.microsoft.com/office/drawing/2014/main" id="{51577819-AAFE-8B4D-C13C-041D34FECD16}"/>
+              </a:ext>
+            </a:extLst>
+          </p:cNvPr>
+          <p:cNvSpPr/>
+          <p:nvPr/>
+        </p:nvSpPr>
+        <p:spPr>
+          <a:xfrm>
+            <a:off x="2000375" y="1390317"/>
+            <a:ext cx="123695" cy="530890"/>
+          </a:xfrm>
+          <a:prstGeom prst="rect">
+            <a:avLst/>
+          </a:prstGeom>
+          <a:solidFill>
+            <a:srgbClr val="00FF00"/>
+          </a:solidFill>
+          <a:ln>
+            <a:noFill/>
+          </a:ln>
+        </p:spPr>
+        <p:style>
+          <a:lnRef idx="2">
+            <a:schemeClr val="accent1">
+              <a:shade val="50000"/>
+            </a:schemeClr>
+          </a:lnRef>
+          <a:fillRef idx="1">
+            <a:schemeClr val="accent1"/>
+          </a:fillRef>
+          <a:effectRef idx="0">
+            <a:schemeClr val="accent1"/>
+          </a:effectRef>
+          <a:fontRef idx="minor">
+            <a:schemeClr val="lt1"/>
+          </a:fontRef>
+        </p:style>
+        <p:txBody>
+          <a:bodyPr rtlCol="0" anchor="ctr"/>
+          <a:lstStyle/>
+          <a:p>
+            <a:pPr algn="ctr"/>
+            <a:endParaRPr lang="zh-CN" altLang="en-US"/>
+          </a:p>
+        </p:txBody>
+      </p:sp>
+      <p:sp>
+        <p:nvSpPr>
+          <p:cNvPr id="45" name="椭圆 44">
+            <a:extLst>
+              <a:ext uri="{FF2B5EF4-FFF2-40B4-BE49-F238E27FC236}">
+                <a16:creationId xmlns:a16="http://schemas.microsoft.com/office/drawing/2014/main" id="{75DB313D-64DD-C694-F123-1854A97D308D}"/>
+              </a:ext>
+            </a:extLst>
+          </p:cNvPr>
+          <p:cNvSpPr/>
+          <p:nvPr/>
+        </p:nvSpPr>
+        <p:spPr>
+          <a:xfrm>
+            <a:off x="2000529" y="1371177"/>
+            <a:ext cx="426085" cy="396071"/>
+          </a:xfrm>
+          <a:prstGeom prst="ellipse">
+            <a:avLst/>
+          </a:prstGeom>
+          <a:solidFill>
+            <a:srgbClr val="00FF00"/>
+          </a:solidFill>
+          <a:ln>
+            <a:noFill/>
+          </a:ln>
+        </p:spPr>
+        <p:style>
+          <a:lnRef idx="2">
+            <a:schemeClr val="accent1">
+              <a:shade val="50000"/>
+            </a:schemeClr>
+          </a:lnRef>
+          <a:fillRef idx="1">
+            <a:schemeClr val="accent1"/>
+          </a:fillRef>
+          <a:effectRef idx="0">
+            <a:schemeClr val="accent1"/>
+          </a:effectRef>
+          <a:fontRef idx="minor">
+            <a:schemeClr val="lt1"/>
+          </a:fontRef>
+        </p:style>
+        <p:txBody>
+          <a:bodyPr rtlCol="0" anchor="ctr"/>
+          <a:lstStyle/>
+          <a:p>
+            <a:pPr algn="ctr"/>
+            <a:endParaRPr lang="zh-CN" altLang="en-US"/>
+          </a:p>
+        </p:txBody>
+      </p:sp>
+      <p:sp>
+        <p:nvSpPr>
+          <p:cNvPr id="46" name="矩形 45">
+            <a:extLst>
+              <a:ext uri="{FF2B5EF4-FFF2-40B4-BE49-F238E27FC236}">
+                <a16:creationId xmlns:a16="http://schemas.microsoft.com/office/drawing/2014/main" id="{5727EFF1-AD33-E8BE-87CC-1E416F445DB7}"/>
+              </a:ext>
+            </a:extLst>
+          </p:cNvPr>
+          <p:cNvSpPr/>
+          <p:nvPr/>
+        </p:nvSpPr>
+        <p:spPr>
+          <a:xfrm>
+            <a:off x="2518349" y="1388874"/>
+            <a:ext cx="123695" cy="530890"/>
+          </a:xfrm>
+          <a:prstGeom prst="rect">
+            <a:avLst/>
+          </a:prstGeom>
+          <a:solidFill>
+            <a:srgbClr val="FFFF05"/>
+          </a:solidFill>
+          <a:ln>
+            <a:noFill/>
+          </a:ln>
+        </p:spPr>
+        <p:style>
+          <a:lnRef idx="2">
+            <a:schemeClr val="accent1">
+              <a:shade val="50000"/>
+            </a:schemeClr>
+          </a:lnRef>
+          <a:fillRef idx="1">
+            <a:schemeClr val="accent1"/>
+          </a:fillRef>
+          <a:effectRef idx="0">
+            <a:schemeClr val="accent1"/>
+          </a:effectRef>
+          <a:fontRef idx="minor">
+            <a:schemeClr val="lt1"/>
+          </a:fontRef>
+        </p:style>
+        <p:txBody>
+          <a:bodyPr rtlCol="0" anchor="ctr"/>
+          <a:lstStyle/>
+          <a:p>
+            <a:pPr algn="ctr"/>
+            <a:endParaRPr lang="zh-CN" altLang="en-US"/>
+          </a:p>
+        </p:txBody>
+      </p:sp>
+      <p:sp>
+        <p:nvSpPr>
+          <p:cNvPr id="47" name="矩形 46">
+            <a:extLst>
+              <a:ext uri="{FF2B5EF4-FFF2-40B4-BE49-F238E27FC236}">
+                <a16:creationId xmlns:a16="http://schemas.microsoft.com/office/drawing/2014/main" id="{DBF80851-F678-ADD4-2159-4A4B8CF73400}"/>
+              </a:ext>
+            </a:extLst>
+          </p:cNvPr>
+          <p:cNvSpPr/>
+          <p:nvPr/>
+        </p:nvSpPr>
+        <p:spPr>
+          <a:xfrm>
+            <a:off x="2518349" y="1868292"/>
+            <a:ext cx="451067" cy="51472"/>
+          </a:xfrm>
+          <a:prstGeom prst="rect">
+            <a:avLst/>
+          </a:prstGeom>
+          <a:solidFill>
+            <a:srgbClr val="FFFF05"/>
+          </a:solidFill>
+          <a:ln>
+            <a:noFill/>
+          </a:ln>
+        </p:spPr>
+        <p:style>
+          <a:lnRef idx="2">
+            <a:schemeClr val="accent1">
+              <a:shade val="50000"/>
+            </a:schemeClr>
+          </a:lnRef>
+          <a:fillRef idx="1">
+            <a:schemeClr val="accent1"/>
+          </a:fillRef>
+          <a:effectRef idx="0">
+            <a:schemeClr val="accent1"/>
+          </a:effectRef>
+          <a:fontRef idx="minor">
+            <a:schemeClr val="lt1"/>
+          </a:fontRef>
+        </p:style>
+        <p:txBody>
+          <a:bodyPr rtlCol="0" anchor="ctr"/>
+          <a:lstStyle/>
+          <a:p>
+            <a:pPr algn="ctr"/>
+            <a:endParaRPr lang="zh-CN" altLang="en-US"/>
+          </a:p>
+        </p:txBody>
+      </p:sp>
+      <p:sp>
+        <p:nvSpPr>
+          <p:cNvPr id="48" name="椭圆 47">
+            <a:extLst>
+              <a:ext uri="{FF2B5EF4-FFF2-40B4-BE49-F238E27FC236}">
+                <a16:creationId xmlns:a16="http://schemas.microsoft.com/office/drawing/2014/main" id="{B25D02C6-23E1-EB91-77F3-2BEF5B4D6D64}"/>
+              </a:ext>
+            </a:extLst>
+          </p:cNvPr>
+          <p:cNvSpPr/>
+          <p:nvPr/>
+        </p:nvSpPr>
+        <p:spPr>
+          <a:xfrm>
+            <a:off x="2094619" y="1435839"/>
+            <a:ext cx="286540" cy="266356"/>
+          </a:xfrm>
+          <a:prstGeom prst="ellipse">
+            <a:avLst/>
+          </a:prstGeom>
+          <a:solidFill>
+            <a:srgbClr val="172533"/>
+          </a:solidFill>
+          <a:ln>
+            <a:solidFill>
+              <a:srgbClr val="172533"/>
+            </a:solidFill>
+          </a:ln>
+        </p:spPr>
+        <p:style>
+          <a:lnRef idx="2">
+            <a:schemeClr val="accent1">
+              <a:shade val="50000"/>
+            </a:schemeClr>
+          </a:lnRef>
+          <a:fillRef idx="1">
+            <a:schemeClr val="accent1"/>
+          </a:fillRef>
+          <a:effectRef idx="0">
+            <a:schemeClr val="accent1"/>
+          </a:effectRef>
+          <a:fontRef idx="minor">
+            <a:schemeClr val="lt1"/>
+          </a:fontRef>
+        </p:style>
+        <p:txBody>
+          <a:bodyPr rtlCol="0" anchor="ctr"/>
+          <a:lstStyle/>
+          <a:p>
+            <a:pPr algn="ctr"/>
+            <a:endParaRPr lang="zh-CN" altLang="en-US"/>
+          </a:p>
+        </p:txBody>
+      </p:sp>
     </p:spTree>
     <p:extLst>
       <p:ext uri="{BB962C8B-B14F-4D97-AF65-F5344CB8AC3E}">
         <p14:creationId xmlns:p14="http://schemas.microsoft.com/office/powerpoint/2010/main" val="980794021"/>
+      </p:ext>
+    </p:extLst>
+  </p:cSld>
+  <p:clrMapOvr>
+    <a:masterClrMapping/>
+  </p:clrMapOvr>
+</p:sld>
+</file>
+
+<file path=ppt/slides/slide2.xml><?xml version="1.0" encoding="utf-8"?>
+<p:sld xmlns:a="http://schemas.openxmlformats.org/drawingml/2006/main" xmlns:r="http://schemas.openxmlformats.org/officeDocument/2006/relationships" xmlns:p="http://schemas.openxmlformats.org/presentationml/2006/main">
+  <p:cSld>
+    <p:spTree>
+      <p:nvGrpSpPr>
+        <p:cNvPr id="1" name=""/>
+        <p:cNvGrpSpPr/>
+        <p:nvPr/>
+      </p:nvGrpSpPr>
+      <p:grpSpPr>
+        <a:xfrm>
+          <a:off x="0" y="0"/>
+          <a:ext cx="0" cy="0"/>
+          <a:chOff x="0" y="0"/>
+          <a:chExt cx="0" cy="0"/>
+        </a:xfrm>
+      </p:grpSpPr>
+      <p:sp>
+        <p:nvSpPr>
+          <p:cNvPr id="5" name="矩形 4">
+            <a:extLst>
+              <a:ext uri="{FF2B5EF4-FFF2-40B4-BE49-F238E27FC236}">
+                <a16:creationId xmlns:a16="http://schemas.microsoft.com/office/drawing/2014/main" id="{FD4273B2-3542-815C-D520-D97C3B1083BA}"/>
+              </a:ext>
+            </a:extLst>
+          </p:cNvPr>
+          <p:cNvSpPr/>
+          <p:nvPr/>
+        </p:nvSpPr>
+        <p:spPr>
+          <a:xfrm>
+            <a:off x="1825752" y="2237740"/>
+            <a:ext cx="257048" cy="731520"/>
+          </a:xfrm>
+          <a:prstGeom prst="rect">
+            <a:avLst/>
+          </a:prstGeom>
+          <a:solidFill>
+            <a:srgbClr val="FF0000"/>
+          </a:solidFill>
+          <a:ln>
+            <a:noFill/>
+          </a:ln>
+        </p:spPr>
+        <p:style>
+          <a:lnRef idx="2">
+            <a:schemeClr val="accent1">
+              <a:shade val="50000"/>
+            </a:schemeClr>
+          </a:lnRef>
+          <a:fillRef idx="1">
+            <a:schemeClr val="accent1"/>
+          </a:fillRef>
+          <a:effectRef idx="0">
+            <a:schemeClr val="accent1"/>
+          </a:effectRef>
+          <a:fontRef idx="minor">
+            <a:schemeClr val="lt1"/>
+          </a:fontRef>
+        </p:style>
+        <p:txBody>
+          <a:bodyPr rtlCol="0" anchor="ctr"/>
+          <a:lstStyle/>
+          <a:p>
+            <a:pPr algn="ctr"/>
+            <a:endParaRPr lang="zh-CN" altLang="en-US"/>
+          </a:p>
+        </p:txBody>
+      </p:sp>
+      <p:sp>
+        <p:nvSpPr>
+          <p:cNvPr id="6" name="矩形 5">
+            <a:extLst>
+              <a:ext uri="{FF2B5EF4-FFF2-40B4-BE49-F238E27FC236}">
+                <a16:creationId xmlns:a16="http://schemas.microsoft.com/office/drawing/2014/main" id="{965930AB-879A-A9BE-E736-4A87A18A6AD1}"/>
+              </a:ext>
+            </a:extLst>
+          </p:cNvPr>
+          <p:cNvSpPr/>
+          <p:nvPr/>
+        </p:nvSpPr>
+        <p:spPr>
+          <a:xfrm>
+            <a:off x="2342002" y="2237740"/>
+            <a:ext cx="93857" cy="731520"/>
+          </a:xfrm>
+          <a:prstGeom prst="rect">
+            <a:avLst/>
+          </a:prstGeom>
+          <a:solidFill>
+            <a:srgbClr val="FF0000"/>
+          </a:solidFill>
+          <a:ln>
+            <a:noFill/>
+          </a:ln>
+        </p:spPr>
+        <p:style>
+          <a:lnRef idx="2">
+            <a:schemeClr val="accent1">
+              <a:shade val="50000"/>
+            </a:schemeClr>
+          </a:lnRef>
+          <a:fillRef idx="1">
+            <a:schemeClr val="accent1"/>
+          </a:fillRef>
+          <a:effectRef idx="0">
+            <a:schemeClr val="accent1"/>
+          </a:effectRef>
+          <a:fontRef idx="minor">
+            <a:schemeClr val="lt1"/>
+          </a:fontRef>
+        </p:style>
+        <p:txBody>
+          <a:bodyPr rtlCol="0" anchor="ctr"/>
+          <a:lstStyle/>
+          <a:p>
+            <a:pPr algn="ctr"/>
+            <a:endParaRPr lang="zh-CN" altLang="en-US"/>
+          </a:p>
+        </p:txBody>
+      </p:sp>
+      <p:sp>
+        <p:nvSpPr>
+          <p:cNvPr id="7" name="矩形 6">
+            <a:extLst>
+              <a:ext uri="{FF2B5EF4-FFF2-40B4-BE49-F238E27FC236}">
+                <a16:creationId xmlns:a16="http://schemas.microsoft.com/office/drawing/2014/main" id="{9494334C-658B-0F9C-06E3-36603CF1D450}"/>
+              </a:ext>
+            </a:extLst>
+          </p:cNvPr>
+          <p:cNvSpPr/>
+          <p:nvPr/>
+        </p:nvSpPr>
+        <p:spPr>
+          <a:xfrm>
+            <a:off x="1920240" y="2545080"/>
+            <a:ext cx="515620" cy="67056"/>
+          </a:xfrm>
+          <a:prstGeom prst="rect">
+            <a:avLst/>
+          </a:prstGeom>
+          <a:solidFill>
+            <a:srgbClr val="FF0000"/>
+          </a:solidFill>
+          <a:ln>
+            <a:noFill/>
+          </a:ln>
+        </p:spPr>
+        <p:style>
+          <a:lnRef idx="2">
+            <a:schemeClr val="accent1">
+              <a:shade val="50000"/>
+            </a:schemeClr>
+          </a:lnRef>
+          <a:fillRef idx="1">
+            <a:schemeClr val="accent1"/>
+          </a:fillRef>
+          <a:effectRef idx="0">
+            <a:schemeClr val="accent1"/>
+          </a:effectRef>
+          <a:fontRef idx="minor">
+            <a:schemeClr val="lt1"/>
+          </a:fontRef>
+        </p:style>
+        <p:txBody>
+          <a:bodyPr rtlCol="0" anchor="ctr"/>
+          <a:lstStyle/>
+          <a:p>
+            <a:pPr algn="ctr"/>
+            <a:endParaRPr lang="zh-CN" altLang="en-US"/>
+          </a:p>
+        </p:txBody>
+      </p:sp>
+      <p:sp>
+        <p:nvSpPr>
+          <p:cNvPr id="8" name="矩形 7">
+            <a:extLst>
+              <a:ext uri="{FF2B5EF4-FFF2-40B4-BE49-F238E27FC236}">
+                <a16:creationId xmlns:a16="http://schemas.microsoft.com/office/drawing/2014/main" id="{B0177F30-F4F6-AE4A-9AA2-543141BF9F03}"/>
+              </a:ext>
+            </a:extLst>
+          </p:cNvPr>
+          <p:cNvSpPr/>
+          <p:nvPr/>
+        </p:nvSpPr>
+        <p:spPr>
+          <a:xfrm>
+            <a:off x="2526598" y="2237740"/>
+            <a:ext cx="211645" cy="731520"/>
+          </a:xfrm>
+          <a:prstGeom prst="rect">
+            <a:avLst/>
+          </a:prstGeom>
+          <a:solidFill>
+            <a:srgbClr val="00FF00"/>
+          </a:solidFill>
+          <a:ln>
+            <a:noFill/>
+          </a:ln>
+        </p:spPr>
+        <p:style>
+          <a:lnRef idx="2">
+            <a:schemeClr val="accent1">
+              <a:shade val="50000"/>
+            </a:schemeClr>
+          </a:lnRef>
+          <a:fillRef idx="1">
+            <a:schemeClr val="accent1"/>
+          </a:fillRef>
+          <a:effectRef idx="0">
+            <a:schemeClr val="accent1"/>
+          </a:effectRef>
+          <a:fontRef idx="minor">
+            <a:schemeClr val="lt1"/>
+          </a:fontRef>
+        </p:style>
+        <p:txBody>
+          <a:bodyPr rtlCol="0" anchor="ctr"/>
+          <a:lstStyle/>
+          <a:p>
+            <a:pPr algn="ctr"/>
+            <a:endParaRPr lang="zh-CN" altLang="en-US"/>
+          </a:p>
+        </p:txBody>
+      </p:sp>
+      <p:sp>
+        <p:nvSpPr>
+          <p:cNvPr id="16" name="椭圆 15">
+            <a:extLst>
+              <a:ext uri="{FF2B5EF4-FFF2-40B4-BE49-F238E27FC236}">
+                <a16:creationId xmlns:a16="http://schemas.microsoft.com/office/drawing/2014/main" id="{247FF328-D127-0E3D-DAD3-3E54F55458B8}"/>
+              </a:ext>
+            </a:extLst>
+          </p:cNvPr>
+          <p:cNvSpPr/>
+          <p:nvPr/>
+        </p:nvSpPr>
+        <p:spPr>
+          <a:xfrm>
+            <a:off x="2578100" y="2241550"/>
+            <a:ext cx="556260" cy="556260"/>
+          </a:xfrm>
+          <a:prstGeom prst="ellipse">
+            <a:avLst/>
+          </a:prstGeom>
+          <a:solidFill>
+            <a:srgbClr val="00FF00"/>
+          </a:solidFill>
+          <a:ln>
+            <a:noFill/>
+          </a:ln>
+        </p:spPr>
+        <p:style>
+          <a:lnRef idx="2">
+            <a:schemeClr val="accent1">
+              <a:shade val="50000"/>
+            </a:schemeClr>
+          </a:lnRef>
+          <a:fillRef idx="1">
+            <a:schemeClr val="accent1"/>
+          </a:fillRef>
+          <a:effectRef idx="0">
+            <a:schemeClr val="accent1"/>
+          </a:effectRef>
+          <a:fontRef idx="minor">
+            <a:schemeClr val="lt1"/>
+          </a:fontRef>
+        </p:style>
+        <p:txBody>
+          <a:bodyPr rtlCol="0" anchor="ctr"/>
+          <a:lstStyle/>
+          <a:p>
+            <a:pPr algn="ctr"/>
+            <a:endParaRPr lang="zh-CN" altLang="en-US"/>
+          </a:p>
+        </p:txBody>
+      </p:sp>
+      <p:sp>
+        <p:nvSpPr>
+          <p:cNvPr id="17" name="矩形 16">
+            <a:extLst>
+              <a:ext uri="{FF2B5EF4-FFF2-40B4-BE49-F238E27FC236}">
+                <a16:creationId xmlns:a16="http://schemas.microsoft.com/office/drawing/2014/main" id="{6D631A24-019D-4207-B458-2D1F9E3BCE63}"/>
+              </a:ext>
+            </a:extLst>
+          </p:cNvPr>
+          <p:cNvSpPr/>
+          <p:nvPr/>
+        </p:nvSpPr>
+        <p:spPr>
+          <a:xfrm>
+            <a:off x="3185862" y="2237740"/>
+            <a:ext cx="235518" cy="731520"/>
+          </a:xfrm>
+          <a:prstGeom prst="rect">
+            <a:avLst/>
+          </a:prstGeom>
+          <a:solidFill>
+            <a:srgbClr val="FFFF05"/>
+          </a:solidFill>
+          <a:ln>
+            <a:noFill/>
+          </a:ln>
+        </p:spPr>
+        <p:style>
+          <a:lnRef idx="2">
+            <a:schemeClr val="accent1">
+              <a:shade val="50000"/>
+            </a:schemeClr>
+          </a:lnRef>
+          <a:fillRef idx="1">
+            <a:schemeClr val="accent1"/>
+          </a:fillRef>
+          <a:effectRef idx="0">
+            <a:schemeClr val="accent1"/>
+          </a:effectRef>
+          <a:fontRef idx="minor">
+            <a:schemeClr val="lt1"/>
+          </a:fontRef>
+        </p:style>
+        <p:txBody>
+          <a:bodyPr rtlCol="0" anchor="ctr"/>
+          <a:lstStyle/>
+          <a:p>
+            <a:pPr algn="ctr"/>
+            <a:endParaRPr lang="zh-CN" altLang="en-US"/>
+          </a:p>
+        </p:txBody>
+      </p:sp>
+      <p:sp>
+        <p:nvSpPr>
+          <p:cNvPr id="19" name="矩形 18">
+            <a:extLst>
+              <a:ext uri="{FF2B5EF4-FFF2-40B4-BE49-F238E27FC236}">
+                <a16:creationId xmlns:a16="http://schemas.microsoft.com/office/drawing/2014/main" id="{5C4B337F-735F-5060-01D2-F619714E73C7}"/>
+              </a:ext>
+            </a:extLst>
+          </p:cNvPr>
+          <p:cNvSpPr/>
+          <p:nvPr/>
+        </p:nvSpPr>
+        <p:spPr>
+          <a:xfrm>
+            <a:off x="3258819" y="2913888"/>
+            <a:ext cx="623333" cy="55372"/>
+          </a:xfrm>
+          <a:prstGeom prst="rect">
+            <a:avLst/>
+          </a:prstGeom>
+          <a:solidFill>
+            <a:srgbClr val="FFFF05"/>
+          </a:solidFill>
+          <a:ln>
+            <a:noFill/>
+          </a:ln>
+        </p:spPr>
+        <p:style>
+          <a:lnRef idx="2">
+            <a:schemeClr val="accent1">
+              <a:shade val="50000"/>
+            </a:schemeClr>
+          </a:lnRef>
+          <a:fillRef idx="1">
+            <a:schemeClr val="accent1"/>
+          </a:fillRef>
+          <a:effectRef idx="0">
+            <a:schemeClr val="accent1"/>
+          </a:effectRef>
+          <a:fontRef idx="minor">
+            <a:schemeClr val="lt1"/>
+          </a:fontRef>
+        </p:style>
+        <p:txBody>
+          <a:bodyPr rtlCol="0" anchor="ctr"/>
+          <a:lstStyle/>
+          <a:p>
+            <a:pPr algn="ctr"/>
+            <a:endParaRPr lang="zh-CN" altLang="en-US"/>
+          </a:p>
+        </p:txBody>
+      </p:sp>
+      <p:sp>
+        <p:nvSpPr>
+          <p:cNvPr id="20" name="椭圆 19">
+            <a:extLst>
+              <a:ext uri="{FF2B5EF4-FFF2-40B4-BE49-F238E27FC236}">
+                <a16:creationId xmlns:a16="http://schemas.microsoft.com/office/drawing/2014/main" id="{B6EC4EB2-08E4-4F92-FBBC-E85967ACBE84}"/>
+              </a:ext>
+            </a:extLst>
+          </p:cNvPr>
+          <p:cNvSpPr/>
+          <p:nvPr/>
+        </p:nvSpPr>
+        <p:spPr>
+          <a:xfrm>
+            <a:off x="2668042" y="2332639"/>
+            <a:ext cx="374082" cy="374082"/>
+          </a:xfrm>
+          <a:prstGeom prst="ellipse">
+            <a:avLst/>
+          </a:prstGeom>
+          <a:solidFill>
+            <a:schemeClr val="bg1"/>
+          </a:solidFill>
+          <a:ln>
+            <a:solidFill>
+              <a:schemeClr val="bg1"/>
+            </a:solidFill>
+          </a:ln>
+        </p:spPr>
+        <p:style>
+          <a:lnRef idx="2">
+            <a:schemeClr val="accent1">
+              <a:shade val="50000"/>
+            </a:schemeClr>
+          </a:lnRef>
+          <a:fillRef idx="1">
+            <a:schemeClr val="accent1"/>
+          </a:fillRef>
+          <a:effectRef idx="0">
+            <a:schemeClr val="accent1"/>
+          </a:effectRef>
+          <a:fontRef idx="minor">
+            <a:schemeClr val="lt1"/>
+          </a:fontRef>
+        </p:style>
+        <p:txBody>
+          <a:bodyPr rtlCol="0" anchor="ctr"/>
+          <a:lstStyle/>
+          <a:p>
+            <a:pPr algn="ctr"/>
+            <a:endParaRPr lang="zh-CN" altLang="en-US"/>
+          </a:p>
+        </p:txBody>
+      </p:sp>
+      <p:sp>
+        <p:nvSpPr>
+          <p:cNvPr id="27" name="矩形 26">
+            <a:extLst>
+              <a:ext uri="{FF2B5EF4-FFF2-40B4-BE49-F238E27FC236}">
+                <a16:creationId xmlns:a16="http://schemas.microsoft.com/office/drawing/2014/main" id="{F45666E8-F097-5FF8-A68B-F66BB3604512}"/>
+              </a:ext>
+            </a:extLst>
+          </p:cNvPr>
+          <p:cNvSpPr/>
+          <p:nvPr/>
+        </p:nvSpPr>
+        <p:spPr>
+          <a:xfrm>
+            <a:off x="1956435" y="3188398"/>
+            <a:ext cx="162560" cy="571120"/>
+          </a:xfrm>
+          <a:prstGeom prst="rect">
+            <a:avLst/>
+          </a:prstGeom>
+          <a:solidFill>
+            <a:srgbClr val="FF0000"/>
+          </a:solidFill>
+          <a:ln>
+            <a:noFill/>
+          </a:ln>
+        </p:spPr>
+        <p:style>
+          <a:lnRef idx="2">
+            <a:schemeClr val="accent1">
+              <a:shade val="50000"/>
+            </a:schemeClr>
+          </a:lnRef>
+          <a:fillRef idx="1">
+            <a:schemeClr val="accent1"/>
+          </a:fillRef>
+          <a:effectRef idx="0">
+            <a:schemeClr val="accent1"/>
+          </a:effectRef>
+          <a:fontRef idx="minor">
+            <a:schemeClr val="lt1"/>
+          </a:fontRef>
+        </p:style>
+        <p:txBody>
+          <a:bodyPr rtlCol="0" anchor="ctr"/>
+          <a:lstStyle/>
+          <a:p>
+            <a:pPr algn="ctr"/>
+            <a:endParaRPr lang="zh-CN" altLang="en-US"/>
+          </a:p>
+        </p:txBody>
+      </p:sp>
+      <p:sp>
+        <p:nvSpPr>
+          <p:cNvPr id="28" name="矩形 27">
+            <a:extLst>
+              <a:ext uri="{FF2B5EF4-FFF2-40B4-BE49-F238E27FC236}">
+                <a16:creationId xmlns:a16="http://schemas.microsoft.com/office/drawing/2014/main" id="{01D1F036-7F5F-DAD6-4333-8283516CB126}"/>
+              </a:ext>
+            </a:extLst>
+          </p:cNvPr>
+          <p:cNvSpPr/>
+          <p:nvPr/>
+        </p:nvSpPr>
+        <p:spPr>
+          <a:xfrm>
+            <a:off x="2412698" y="3188398"/>
+            <a:ext cx="59356" cy="571120"/>
+          </a:xfrm>
+          <a:prstGeom prst="rect">
+            <a:avLst/>
+          </a:prstGeom>
+          <a:solidFill>
+            <a:srgbClr val="FF0000"/>
+          </a:solidFill>
+          <a:ln>
+            <a:noFill/>
+          </a:ln>
+        </p:spPr>
+        <p:style>
+          <a:lnRef idx="2">
+            <a:schemeClr val="accent1">
+              <a:shade val="50000"/>
+            </a:schemeClr>
+          </a:lnRef>
+          <a:fillRef idx="1">
+            <a:schemeClr val="accent1"/>
+          </a:fillRef>
+          <a:effectRef idx="0">
+            <a:schemeClr val="accent1"/>
+          </a:effectRef>
+          <a:fontRef idx="minor">
+            <a:schemeClr val="lt1"/>
+          </a:fontRef>
+        </p:style>
+        <p:txBody>
+          <a:bodyPr rtlCol="0" anchor="ctr"/>
+          <a:lstStyle/>
+          <a:p>
+            <a:pPr algn="ctr"/>
+            <a:endParaRPr lang="zh-CN" altLang="en-US"/>
+          </a:p>
+        </p:txBody>
+      </p:sp>
+      <p:sp>
+        <p:nvSpPr>
+          <p:cNvPr id="29" name="矩形 28">
+            <a:extLst>
+              <a:ext uri="{FF2B5EF4-FFF2-40B4-BE49-F238E27FC236}">
+                <a16:creationId xmlns:a16="http://schemas.microsoft.com/office/drawing/2014/main" id="{25E478F0-8588-2DC5-0708-41F279C9BC72}"/>
+              </a:ext>
+            </a:extLst>
+          </p:cNvPr>
+          <p:cNvSpPr/>
+          <p:nvPr/>
+        </p:nvSpPr>
+        <p:spPr>
+          <a:xfrm>
+            <a:off x="1955275" y="3352003"/>
+            <a:ext cx="515620" cy="67056"/>
+          </a:xfrm>
+          <a:prstGeom prst="rect">
+            <a:avLst/>
+          </a:prstGeom>
+          <a:solidFill>
+            <a:srgbClr val="FF0000"/>
+          </a:solidFill>
+          <a:ln>
+            <a:noFill/>
+          </a:ln>
+        </p:spPr>
+        <p:style>
+          <a:lnRef idx="2">
+            <a:schemeClr val="accent1">
+              <a:shade val="50000"/>
+            </a:schemeClr>
+          </a:lnRef>
+          <a:fillRef idx="1">
+            <a:schemeClr val="accent1"/>
+          </a:fillRef>
+          <a:effectRef idx="0">
+            <a:schemeClr val="accent1"/>
+          </a:effectRef>
+          <a:fontRef idx="minor">
+            <a:schemeClr val="lt1"/>
+          </a:fontRef>
+        </p:style>
+        <p:txBody>
+          <a:bodyPr rtlCol="0" anchor="ctr"/>
+          <a:lstStyle/>
+          <a:p>
+            <a:pPr algn="ctr"/>
+            <a:endParaRPr lang="zh-CN" altLang="en-US"/>
+          </a:p>
+        </p:txBody>
+      </p:sp>
+      <p:sp>
+        <p:nvSpPr>
+          <p:cNvPr id="30" name="矩形 29">
+            <a:extLst>
+              <a:ext uri="{FF2B5EF4-FFF2-40B4-BE49-F238E27FC236}">
+                <a16:creationId xmlns:a16="http://schemas.microsoft.com/office/drawing/2014/main" id="{C4A9928A-B940-5DBE-51C1-9487E21ABA9F}"/>
+              </a:ext>
+            </a:extLst>
+          </p:cNvPr>
+          <p:cNvSpPr/>
+          <p:nvPr/>
+        </p:nvSpPr>
+        <p:spPr>
+          <a:xfrm>
+            <a:off x="2640591" y="3188398"/>
+            <a:ext cx="133847" cy="571120"/>
+          </a:xfrm>
+          <a:prstGeom prst="rect">
+            <a:avLst/>
+          </a:prstGeom>
+          <a:solidFill>
+            <a:srgbClr val="00FF00"/>
+          </a:solidFill>
+          <a:ln>
+            <a:noFill/>
+          </a:ln>
+        </p:spPr>
+        <p:style>
+          <a:lnRef idx="2">
+            <a:schemeClr val="accent1">
+              <a:shade val="50000"/>
+            </a:schemeClr>
+          </a:lnRef>
+          <a:fillRef idx="1">
+            <a:schemeClr val="accent1"/>
+          </a:fillRef>
+          <a:effectRef idx="0">
+            <a:schemeClr val="accent1"/>
+          </a:effectRef>
+          <a:fontRef idx="minor">
+            <a:schemeClr val="lt1"/>
+          </a:fontRef>
+        </p:style>
+        <p:txBody>
+          <a:bodyPr rtlCol="0" anchor="ctr"/>
+          <a:lstStyle/>
+          <a:p>
+            <a:pPr algn="ctr"/>
+            <a:endParaRPr lang="zh-CN" altLang="en-US"/>
+          </a:p>
+        </p:txBody>
+      </p:sp>
+      <p:sp>
+        <p:nvSpPr>
+          <p:cNvPr id="31" name="椭圆 30">
+            <a:extLst>
+              <a:ext uri="{FF2B5EF4-FFF2-40B4-BE49-F238E27FC236}">
+                <a16:creationId xmlns:a16="http://schemas.microsoft.com/office/drawing/2014/main" id="{E71B3999-50B7-7262-7C6E-DFE10DB72A09}"/>
+              </a:ext>
+            </a:extLst>
+          </p:cNvPr>
+          <p:cNvSpPr/>
+          <p:nvPr/>
+        </p:nvSpPr>
+        <p:spPr>
+          <a:xfrm>
+            <a:off x="2652234" y="3172489"/>
+            <a:ext cx="426085" cy="426085"/>
+          </a:xfrm>
+          <a:prstGeom prst="ellipse">
+            <a:avLst/>
+          </a:prstGeom>
+          <a:solidFill>
+            <a:srgbClr val="00FF00"/>
+          </a:solidFill>
+          <a:ln>
+            <a:noFill/>
+          </a:ln>
+        </p:spPr>
+        <p:style>
+          <a:lnRef idx="2">
+            <a:schemeClr val="accent1">
+              <a:shade val="50000"/>
+            </a:schemeClr>
+          </a:lnRef>
+          <a:fillRef idx="1">
+            <a:schemeClr val="accent1"/>
+          </a:fillRef>
+          <a:effectRef idx="0">
+            <a:schemeClr val="accent1"/>
+          </a:effectRef>
+          <a:fontRef idx="minor">
+            <a:schemeClr val="lt1"/>
+          </a:fontRef>
+        </p:style>
+        <p:txBody>
+          <a:bodyPr rtlCol="0" anchor="ctr"/>
+          <a:lstStyle/>
+          <a:p>
+            <a:pPr algn="ctr"/>
+            <a:endParaRPr lang="zh-CN" altLang="en-US"/>
+          </a:p>
+        </p:txBody>
+      </p:sp>
+      <p:sp>
+        <p:nvSpPr>
+          <p:cNvPr id="32" name="矩形 31">
+            <a:extLst>
+              <a:ext uri="{FF2B5EF4-FFF2-40B4-BE49-F238E27FC236}">
+                <a16:creationId xmlns:a16="http://schemas.microsoft.com/office/drawing/2014/main" id="{C9C50DA8-3BD2-08FE-B670-6A2DBDE103E3}"/>
+              </a:ext>
+            </a:extLst>
+          </p:cNvPr>
+          <p:cNvSpPr/>
+          <p:nvPr/>
+        </p:nvSpPr>
+        <p:spPr>
+          <a:xfrm>
+            <a:off x="3220503" y="3188398"/>
+            <a:ext cx="148944" cy="571120"/>
+          </a:xfrm>
+          <a:prstGeom prst="rect">
+            <a:avLst/>
+          </a:prstGeom>
+          <a:solidFill>
+            <a:srgbClr val="FFFF05"/>
+          </a:solidFill>
+          <a:ln>
+            <a:noFill/>
+          </a:ln>
+        </p:spPr>
+        <p:style>
+          <a:lnRef idx="2">
+            <a:schemeClr val="accent1">
+              <a:shade val="50000"/>
+            </a:schemeClr>
+          </a:lnRef>
+          <a:fillRef idx="1">
+            <a:schemeClr val="accent1"/>
+          </a:fillRef>
+          <a:effectRef idx="0">
+            <a:schemeClr val="accent1"/>
+          </a:effectRef>
+          <a:fontRef idx="minor">
+            <a:schemeClr val="lt1"/>
+          </a:fontRef>
+        </p:style>
+        <p:txBody>
+          <a:bodyPr rtlCol="0" anchor="ctr"/>
+          <a:lstStyle/>
+          <a:p>
+            <a:pPr algn="ctr"/>
+            <a:endParaRPr lang="zh-CN" altLang="en-US"/>
+          </a:p>
+        </p:txBody>
+      </p:sp>
+      <p:sp>
+        <p:nvSpPr>
+          <p:cNvPr id="33" name="矩形 32">
+            <a:extLst>
+              <a:ext uri="{FF2B5EF4-FFF2-40B4-BE49-F238E27FC236}">
+                <a16:creationId xmlns:a16="http://schemas.microsoft.com/office/drawing/2014/main" id="{62B639DF-44F2-0B4A-8654-2D7C19F55F58}"/>
+              </a:ext>
+            </a:extLst>
+          </p:cNvPr>
+          <p:cNvSpPr/>
+          <p:nvPr/>
+        </p:nvSpPr>
+        <p:spPr>
+          <a:xfrm>
+            <a:off x="3222057" y="3704146"/>
+            <a:ext cx="623333" cy="55372"/>
+          </a:xfrm>
+          <a:prstGeom prst="rect">
+            <a:avLst/>
+          </a:prstGeom>
+          <a:solidFill>
+            <a:srgbClr val="FFFF05"/>
+          </a:solidFill>
+          <a:ln>
+            <a:noFill/>
+          </a:ln>
+        </p:spPr>
+        <p:style>
+          <a:lnRef idx="2">
+            <a:schemeClr val="accent1">
+              <a:shade val="50000"/>
+            </a:schemeClr>
+          </a:lnRef>
+          <a:fillRef idx="1">
+            <a:schemeClr val="accent1"/>
+          </a:fillRef>
+          <a:effectRef idx="0">
+            <a:schemeClr val="accent1"/>
+          </a:effectRef>
+          <a:fontRef idx="minor">
+            <a:schemeClr val="lt1"/>
+          </a:fontRef>
+        </p:style>
+        <p:txBody>
+          <a:bodyPr rtlCol="0" anchor="ctr"/>
+          <a:lstStyle/>
+          <a:p>
+            <a:pPr algn="ctr"/>
+            <a:endParaRPr lang="zh-CN" altLang="en-US"/>
+          </a:p>
+        </p:txBody>
+      </p:sp>
+      <p:sp>
+        <p:nvSpPr>
+          <p:cNvPr id="34" name="椭圆 33">
+            <a:extLst>
+              <a:ext uri="{FF2B5EF4-FFF2-40B4-BE49-F238E27FC236}">
+                <a16:creationId xmlns:a16="http://schemas.microsoft.com/office/drawing/2014/main" id="{A64E3617-2F59-F32F-1AF0-9094105CCF9F}"/>
+              </a:ext>
+            </a:extLst>
+          </p:cNvPr>
+          <p:cNvSpPr/>
+          <p:nvPr/>
+        </p:nvSpPr>
+        <p:spPr>
+          <a:xfrm>
+            <a:off x="2746324" y="3234281"/>
+            <a:ext cx="286540" cy="286540"/>
+          </a:xfrm>
+          <a:prstGeom prst="ellipse">
+            <a:avLst/>
+          </a:prstGeom>
+          <a:solidFill>
+            <a:schemeClr val="bg1"/>
+          </a:solidFill>
+          <a:ln>
+            <a:solidFill>
+              <a:schemeClr val="bg1"/>
+            </a:solidFill>
+          </a:ln>
+        </p:spPr>
+        <p:style>
+          <a:lnRef idx="2">
+            <a:schemeClr val="accent1">
+              <a:shade val="50000"/>
+            </a:schemeClr>
+          </a:lnRef>
+          <a:fillRef idx="1">
+            <a:schemeClr val="accent1"/>
+          </a:fillRef>
+          <a:effectRef idx="0">
+            <a:schemeClr val="accent1"/>
+          </a:effectRef>
+          <a:fontRef idx="minor">
+            <a:schemeClr val="lt1"/>
+          </a:fontRef>
+        </p:style>
+        <p:txBody>
+          <a:bodyPr rtlCol="0" anchor="ctr"/>
+          <a:lstStyle/>
+          <a:p>
+            <a:pPr algn="ctr"/>
+            <a:endParaRPr lang="zh-CN" altLang="en-US"/>
+          </a:p>
+        </p:txBody>
+      </p:sp>
+      <p:sp>
+        <p:nvSpPr>
+          <p:cNvPr id="35" name="矩形 34">
+            <a:extLst>
+              <a:ext uri="{FF2B5EF4-FFF2-40B4-BE49-F238E27FC236}">
+                <a16:creationId xmlns:a16="http://schemas.microsoft.com/office/drawing/2014/main" id="{3B88192A-552E-D386-018C-286A31B1077C}"/>
+              </a:ext>
+            </a:extLst>
+          </p:cNvPr>
+          <p:cNvSpPr/>
+          <p:nvPr/>
+        </p:nvSpPr>
+        <p:spPr>
+          <a:xfrm>
+            <a:off x="2065197" y="4086687"/>
+            <a:ext cx="162560" cy="530890"/>
+          </a:xfrm>
+          <a:prstGeom prst="rect">
+            <a:avLst/>
+          </a:prstGeom>
+          <a:solidFill>
+            <a:srgbClr val="FF0000"/>
+          </a:solidFill>
+          <a:ln>
+            <a:noFill/>
+          </a:ln>
+        </p:spPr>
+        <p:style>
+          <a:lnRef idx="2">
+            <a:schemeClr val="accent1">
+              <a:shade val="50000"/>
+            </a:schemeClr>
+          </a:lnRef>
+          <a:fillRef idx="1">
+            <a:schemeClr val="accent1"/>
+          </a:fillRef>
+          <a:effectRef idx="0">
+            <a:schemeClr val="accent1"/>
+          </a:effectRef>
+          <a:fontRef idx="minor">
+            <a:schemeClr val="lt1"/>
+          </a:fontRef>
+        </p:style>
+        <p:txBody>
+          <a:bodyPr rtlCol="0" anchor="ctr"/>
+          <a:lstStyle/>
+          <a:p>
+            <a:pPr algn="ctr"/>
+            <a:endParaRPr lang="zh-CN" altLang="en-US"/>
+          </a:p>
+        </p:txBody>
+      </p:sp>
+      <p:sp>
+        <p:nvSpPr>
+          <p:cNvPr id="36" name="矩形 35">
+            <a:extLst>
+              <a:ext uri="{FF2B5EF4-FFF2-40B4-BE49-F238E27FC236}">
+                <a16:creationId xmlns:a16="http://schemas.microsoft.com/office/drawing/2014/main" id="{1CDA3FF5-055A-0F20-BDE6-56E71120BACD}"/>
+              </a:ext>
+            </a:extLst>
+          </p:cNvPr>
+          <p:cNvSpPr/>
+          <p:nvPr/>
+        </p:nvSpPr>
+        <p:spPr>
+          <a:xfrm>
+            <a:off x="2479550" y="4086687"/>
+            <a:ext cx="59356" cy="530890"/>
+          </a:xfrm>
+          <a:prstGeom prst="rect">
+            <a:avLst/>
+          </a:prstGeom>
+          <a:solidFill>
+            <a:srgbClr val="FF0000"/>
+          </a:solidFill>
+          <a:ln>
+            <a:noFill/>
+          </a:ln>
+        </p:spPr>
+        <p:style>
+          <a:lnRef idx="2">
+            <a:schemeClr val="accent1">
+              <a:shade val="50000"/>
+            </a:schemeClr>
+          </a:lnRef>
+          <a:fillRef idx="1">
+            <a:schemeClr val="accent1"/>
+          </a:fillRef>
+          <a:effectRef idx="0">
+            <a:schemeClr val="accent1"/>
+          </a:effectRef>
+          <a:fontRef idx="minor">
+            <a:schemeClr val="lt1"/>
+          </a:fontRef>
+        </p:style>
+        <p:txBody>
+          <a:bodyPr rtlCol="0" anchor="ctr"/>
+          <a:lstStyle/>
+          <a:p>
+            <a:pPr algn="ctr"/>
+            <a:endParaRPr lang="zh-CN" altLang="en-US"/>
+          </a:p>
+        </p:txBody>
+      </p:sp>
+      <p:sp>
+        <p:nvSpPr>
+          <p:cNvPr id="37" name="矩形 36">
+            <a:extLst>
+              <a:ext uri="{FF2B5EF4-FFF2-40B4-BE49-F238E27FC236}">
+                <a16:creationId xmlns:a16="http://schemas.microsoft.com/office/drawing/2014/main" id="{DD7E38E3-F18D-18E0-CD58-06D66AF6B2EE}"/>
+              </a:ext>
+            </a:extLst>
+          </p:cNvPr>
+          <p:cNvSpPr/>
+          <p:nvPr/>
+        </p:nvSpPr>
+        <p:spPr>
+          <a:xfrm>
+            <a:off x="2085199" y="4214784"/>
+            <a:ext cx="452547" cy="62333"/>
+          </a:xfrm>
+          <a:prstGeom prst="rect">
+            <a:avLst/>
+          </a:prstGeom>
+          <a:solidFill>
+            <a:srgbClr val="FF0000"/>
+          </a:solidFill>
+          <a:ln>
+            <a:noFill/>
+          </a:ln>
+        </p:spPr>
+        <p:style>
+          <a:lnRef idx="2">
+            <a:schemeClr val="accent1">
+              <a:shade val="50000"/>
+            </a:schemeClr>
+          </a:lnRef>
+          <a:fillRef idx="1">
+            <a:schemeClr val="accent1"/>
+          </a:fillRef>
+          <a:effectRef idx="0">
+            <a:schemeClr val="accent1"/>
+          </a:effectRef>
+          <a:fontRef idx="minor">
+            <a:schemeClr val="lt1"/>
+          </a:fontRef>
+        </p:style>
+        <p:txBody>
+          <a:bodyPr rtlCol="0" anchor="ctr"/>
+          <a:lstStyle/>
+          <a:p>
+            <a:pPr algn="ctr"/>
+            <a:endParaRPr lang="zh-CN" altLang="en-US"/>
+          </a:p>
+        </p:txBody>
+      </p:sp>
+      <p:sp>
+        <p:nvSpPr>
+          <p:cNvPr id="38" name="矩形 37">
+            <a:extLst>
+              <a:ext uri="{FF2B5EF4-FFF2-40B4-BE49-F238E27FC236}">
+                <a16:creationId xmlns:a16="http://schemas.microsoft.com/office/drawing/2014/main" id="{02513907-AD0E-7A05-4D47-EA9015BF131A}"/>
+              </a:ext>
+            </a:extLst>
+          </p:cNvPr>
+          <p:cNvSpPr/>
+          <p:nvPr/>
+        </p:nvSpPr>
+        <p:spPr>
+          <a:xfrm>
+            <a:off x="2657736" y="4088130"/>
+            <a:ext cx="133847" cy="530890"/>
+          </a:xfrm>
+          <a:prstGeom prst="rect">
+            <a:avLst/>
+          </a:prstGeom>
+          <a:solidFill>
+            <a:srgbClr val="00FF00"/>
+          </a:solidFill>
+          <a:ln>
+            <a:noFill/>
+          </a:ln>
+        </p:spPr>
+        <p:style>
+          <a:lnRef idx="2">
+            <a:schemeClr val="accent1">
+              <a:shade val="50000"/>
+            </a:schemeClr>
+          </a:lnRef>
+          <a:fillRef idx="1">
+            <a:schemeClr val="accent1"/>
+          </a:fillRef>
+          <a:effectRef idx="0">
+            <a:schemeClr val="accent1"/>
+          </a:effectRef>
+          <a:fontRef idx="minor">
+            <a:schemeClr val="lt1"/>
+          </a:fontRef>
+        </p:style>
+        <p:txBody>
+          <a:bodyPr rtlCol="0" anchor="ctr"/>
+          <a:lstStyle/>
+          <a:p>
+            <a:pPr algn="ctr"/>
+            <a:endParaRPr lang="zh-CN" altLang="en-US"/>
+          </a:p>
+        </p:txBody>
+      </p:sp>
+      <p:sp>
+        <p:nvSpPr>
+          <p:cNvPr id="39" name="椭圆 38">
+            <a:extLst>
+              <a:ext uri="{FF2B5EF4-FFF2-40B4-BE49-F238E27FC236}">
+                <a16:creationId xmlns:a16="http://schemas.microsoft.com/office/drawing/2014/main" id="{84ABE98B-9300-E5E7-02A2-E6F6081D6DFF}"/>
+              </a:ext>
+            </a:extLst>
+          </p:cNvPr>
+          <p:cNvSpPr/>
+          <p:nvPr/>
+        </p:nvSpPr>
+        <p:spPr>
+          <a:xfrm>
+            <a:off x="2668042" y="4071530"/>
+            <a:ext cx="426085" cy="396071"/>
+          </a:xfrm>
+          <a:prstGeom prst="ellipse">
+            <a:avLst/>
+          </a:prstGeom>
+          <a:solidFill>
+            <a:srgbClr val="00FF00"/>
+          </a:solidFill>
+          <a:ln>
+            <a:noFill/>
+          </a:ln>
+        </p:spPr>
+        <p:style>
+          <a:lnRef idx="2">
+            <a:schemeClr val="accent1">
+              <a:shade val="50000"/>
+            </a:schemeClr>
+          </a:lnRef>
+          <a:fillRef idx="1">
+            <a:schemeClr val="accent1"/>
+          </a:fillRef>
+          <a:effectRef idx="0">
+            <a:schemeClr val="accent1"/>
+          </a:effectRef>
+          <a:fontRef idx="minor">
+            <a:schemeClr val="lt1"/>
+          </a:fontRef>
+        </p:style>
+        <p:txBody>
+          <a:bodyPr rtlCol="0" anchor="ctr"/>
+          <a:lstStyle/>
+          <a:p>
+            <a:pPr algn="ctr"/>
+            <a:endParaRPr lang="zh-CN" altLang="en-US"/>
+          </a:p>
+        </p:txBody>
+      </p:sp>
+      <p:sp>
+        <p:nvSpPr>
+          <p:cNvPr id="40" name="矩形 39">
+            <a:extLst>
+              <a:ext uri="{FF2B5EF4-FFF2-40B4-BE49-F238E27FC236}">
+                <a16:creationId xmlns:a16="http://schemas.microsoft.com/office/drawing/2014/main" id="{CC67DE56-E481-07A6-3B8E-1EA6795D1D8B}"/>
+              </a:ext>
+            </a:extLst>
+          </p:cNvPr>
+          <p:cNvSpPr/>
+          <p:nvPr/>
+        </p:nvSpPr>
+        <p:spPr>
+          <a:xfrm>
+            <a:off x="3185862" y="4086687"/>
+            <a:ext cx="148944" cy="530890"/>
+          </a:xfrm>
+          <a:prstGeom prst="rect">
+            <a:avLst/>
+          </a:prstGeom>
+          <a:solidFill>
+            <a:srgbClr val="FFFF05"/>
+          </a:solidFill>
+          <a:ln>
+            <a:noFill/>
+          </a:ln>
+        </p:spPr>
+        <p:style>
+          <a:lnRef idx="2">
+            <a:schemeClr val="accent1">
+              <a:shade val="50000"/>
+            </a:schemeClr>
+          </a:lnRef>
+          <a:fillRef idx="1">
+            <a:schemeClr val="accent1"/>
+          </a:fillRef>
+          <a:effectRef idx="0">
+            <a:schemeClr val="accent1"/>
+          </a:effectRef>
+          <a:fontRef idx="minor">
+            <a:schemeClr val="lt1"/>
+          </a:fontRef>
+        </p:style>
+        <p:txBody>
+          <a:bodyPr rtlCol="0" anchor="ctr"/>
+          <a:lstStyle/>
+          <a:p>
+            <a:pPr algn="ctr"/>
+            <a:endParaRPr lang="zh-CN" altLang="en-US"/>
+          </a:p>
+        </p:txBody>
+      </p:sp>
+      <p:sp>
+        <p:nvSpPr>
+          <p:cNvPr id="41" name="矩形 40">
+            <a:extLst>
+              <a:ext uri="{FF2B5EF4-FFF2-40B4-BE49-F238E27FC236}">
+                <a16:creationId xmlns:a16="http://schemas.microsoft.com/office/drawing/2014/main" id="{373915EF-5E5D-1F4A-329A-5C689FF8BE37}"/>
+              </a:ext>
+            </a:extLst>
+          </p:cNvPr>
+          <p:cNvSpPr/>
+          <p:nvPr/>
+        </p:nvSpPr>
+        <p:spPr>
+          <a:xfrm>
+            <a:off x="3217962" y="4566105"/>
+            <a:ext cx="483168" cy="51472"/>
+          </a:xfrm>
+          <a:prstGeom prst="rect">
+            <a:avLst/>
+          </a:prstGeom>
+          <a:solidFill>
+            <a:srgbClr val="FFFF05"/>
+          </a:solidFill>
+          <a:ln>
+            <a:noFill/>
+          </a:ln>
+        </p:spPr>
+        <p:style>
+          <a:lnRef idx="2">
+            <a:schemeClr val="accent1">
+              <a:shade val="50000"/>
+            </a:schemeClr>
+          </a:lnRef>
+          <a:fillRef idx="1">
+            <a:schemeClr val="accent1"/>
+          </a:fillRef>
+          <a:effectRef idx="0">
+            <a:schemeClr val="accent1"/>
+          </a:effectRef>
+          <a:fontRef idx="minor">
+            <a:schemeClr val="lt1"/>
+          </a:fontRef>
+        </p:style>
+        <p:txBody>
+          <a:bodyPr rtlCol="0" anchor="ctr"/>
+          <a:lstStyle/>
+          <a:p>
+            <a:pPr algn="ctr"/>
+            <a:endParaRPr lang="zh-CN" altLang="en-US"/>
+          </a:p>
+        </p:txBody>
+      </p:sp>
+      <p:sp>
+        <p:nvSpPr>
+          <p:cNvPr id="42" name="椭圆 41">
+            <a:extLst>
+              <a:ext uri="{FF2B5EF4-FFF2-40B4-BE49-F238E27FC236}">
+                <a16:creationId xmlns:a16="http://schemas.microsoft.com/office/drawing/2014/main" id="{309C195E-413D-E440-208B-3BFB19B2F0AD}"/>
+              </a:ext>
+            </a:extLst>
+          </p:cNvPr>
+          <p:cNvSpPr/>
+          <p:nvPr/>
+        </p:nvSpPr>
+        <p:spPr>
+          <a:xfrm>
+            <a:off x="2762132" y="4123492"/>
+            <a:ext cx="286540" cy="266356"/>
+          </a:xfrm>
+          <a:prstGeom prst="ellipse">
+            <a:avLst/>
+          </a:prstGeom>
+          <a:solidFill>
+            <a:schemeClr val="bg1"/>
+          </a:solidFill>
+          <a:ln>
+            <a:solidFill>
+              <a:schemeClr val="bg1"/>
+            </a:solidFill>
+          </a:ln>
+        </p:spPr>
+        <p:style>
+          <a:lnRef idx="2">
+            <a:schemeClr val="accent1">
+              <a:shade val="50000"/>
+            </a:schemeClr>
+          </a:lnRef>
+          <a:fillRef idx="1">
+            <a:schemeClr val="accent1"/>
+          </a:fillRef>
+          <a:effectRef idx="0">
+            <a:schemeClr val="accent1"/>
+          </a:effectRef>
+          <a:fontRef idx="minor">
+            <a:schemeClr val="lt1"/>
+          </a:fontRef>
+        </p:style>
+        <p:txBody>
+          <a:bodyPr rtlCol="0" anchor="ctr"/>
+          <a:lstStyle/>
+          <a:p>
+            <a:pPr algn="ctr"/>
+            <a:endParaRPr lang="zh-CN" altLang="en-US"/>
+          </a:p>
+        </p:txBody>
+      </p:sp>
+    </p:spTree>
+    <p:extLst>
+      <p:ext uri="{BB962C8B-B14F-4D97-AF65-F5344CB8AC3E}">
+        <p14:creationId xmlns:p14="http://schemas.microsoft.com/office/powerpoint/2010/main" val="8910244"/>
       </p:ext>
     </p:extLst>
   </p:cSld>

--- a/images/封面设计.pptx
+++ b/images/封面设计.pptx
@@ -4010,7 +4010,7 @@
         </p:nvSpPr>
         <p:spPr>
           <a:xfrm>
-            <a:off x="2000529" y="1371177"/>
+            <a:off x="2000529" y="1373082"/>
             <a:ext cx="426085" cy="396071"/>
           </a:xfrm>
           <a:prstGeom prst="ellipse">
@@ -4166,8 +4166,8 @@
         </p:nvSpPr>
         <p:spPr>
           <a:xfrm>
-            <a:off x="2094619" y="1435839"/>
-            <a:ext cx="286540" cy="266356"/>
+            <a:off x="2076787" y="1422351"/>
+            <a:ext cx="306565" cy="298841"/>
           </a:xfrm>
           <a:prstGeom prst="ellipse">
             <a:avLst/>

--- a/images/封面设计.pptx
+++ b/images/封面设计.pptx
@@ -3906,8 +3906,8 @@
         </p:nvSpPr>
         <p:spPr>
           <a:xfrm>
-            <a:off x="1438887" y="1576217"/>
-            <a:ext cx="427310" cy="50379"/>
+            <a:off x="1452338" y="1624017"/>
+            <a:ext cx="399322" cy="46034"/>
           </a:xfrm>
           <a:prstGeom prst="rect">
             <a:avLst/>
@@ -4166,8 +4166,8 @@
         </p:nvSpPr>
         <p:spPr>
           <a:xfrm>
-            <a:off x="2076787" y="1422351"/>
-            <a:ext cx="306565" cy="298841"/>
+            <a:off x="2124071" y="1442085"/>
+            <a:ext cx="252417" cy="253366"/>
           </a:xfrm>
           <a:prstGeom prst="ellipse">
             <a:avLst/>
@@ -4179,6 +4179,58 @@
             <a:solidFill>
               <a:srgbClr val="172533"/>
             </a:solidFill>
+          </a:ln>
+        </p:spPr>
+        <p:style>
+          <a:lnRef idx="2">
+            <a:schemeClr val="accent1">
+              <a:shade val="50000"/>
+            </a:schemeClr>
+          </a:lnRef>
+          <a:fillRef idx="1">
+            <a:schemeClr val="accent1"/>
+          </a:fillRef>
+          <a:effectRef idx="0">
+            <a:schemeClr val="accent1"/>
+          </a:effectRef>
+          <a:fontRef idx="minor">
+            <a:schemeClr val="lt1"/>
+          </a:fontRef>
+        </p:style>
+        <p:txBody>
+          <a:bodyPr rtlCol="0" anchor="ctr"/>
+          <a:lstStyle/>
+          <a:p>
+            <a:pPr algn="ctr"/>
+            <a:endParaRPr lang="zh-CN" altLang="en-US"/>
+          </a:p>
+        </p:txBody>
+      </p:sp>
+      <p:sp>
+        <p:nvSpPr>
+          <p:cNvPr id="16" name="椭圆 15">
+            <a:extLst>
+              <a:ext uri="{FF2B5EF4-FFF2-40B4-BE49-F238E27FC236}">
+                <a16:creationId xmlns:a16="http://schemas.microsoft.com/office/drawing/2014/main" id="{086899FE-1584-C53D-693B-3175F132D38D}"/>
+              </a:ext>
+            </a:extLst>
+          </p:cNvPr>
+          <p:cNvSpPr/>
+          <p:nvPr/>
+        </p:nvSpPr>
+        <p:spPr>
+          <a:xfrm>
+            <a:off x="2204483" y="1517992"/>
+            <a:ext cx="97138" cy="101551"/>
+          </a:xfrm>
+          <a:prstGeom prst="ellipse">
+            <a:avLst/>
+          </a:prstGeom>
+          <a:solidFill>
+            <a:srgbClr val="00FF00"/>
+          </a:solidFill>
+          <a:ln>
+            <a:noFill/>
           </a:ln>
         </p:spPr>
         <p:style>
@@ -4238,10 +4290,10 @@
       </p:grpSpPr>
       <p:sp>
         <p:nvSpPr>
-          <p:cNvPr id="5" name="矩形 4">
-            <a:extLst>
-              <a:ext uri="{FF2B5EF4-FFF2-40B4-BE49-F238E27FC236}">
-                <a16:creationId xmlns:a16="http://schemas.microsoft.com/office/drawing/2014/main" id="{FD4273B2-3542-815C-D520-D97C3B1083BA}"/>
+          <p:cNvPr id="50" name="矩形 49">
+            <a:extLst>
+              <a:ext uri="{FF2B5EF4-FFF2-40B4-BE49-F238E27FC236}">
+                <a16:creationId xmlns:a16="http://schemas.microsoft.com/office/drawing/2014/main" id="{8ABCB7DD-12BB-D0FC-3B09-F71FC826370E}"/>
               </a:ext>
             </a:extLst>
           </p:cNvPr>
@@ -4250,14 +4302,14 @@
         </p:nvSpPr>
         <p:spPr>
           <a:xfrm>
-            <a:off x="1825752" y="2237740"/>
-            <a:ext cx="257048" cy="731520"/>
+            <a:off x="5325979" y="2464877"/>
+            <a:ext cx="4627321" cy="838197"/>
           </a:xfrm>
           <a:prstGeom prst="rect">
             <a:avLst/>
           </a:prstGeom>
           <a:solidFill>
-            <a:srgbClr val="FF0000"/>
+            <a:srgbClr val="172533"/>
           </a:solidFill>
           <a:ln>
             <a:noFill/>
@@ -4290,10 +4342,10 @@
       </p:sp>
       <p:sp>
         <p:nvSpPr>
-          <p:cNvPr id="6" name="矩形 5">
-            <a:extLst>
-              <a:ext uri="{FF2B5EF4-FFF2-40B4-BE49-F238E27FC236}">
-                <a16:creationId xmlns:a16="http://schemas.microsoft.com/office/drawing/2014/main" id="{965930AB-879A-A9BE-E736-4A87A18A6AD1}"/>
+          <p:cNvPr id="5" name="矩形 4">
+            <a:extLst>
+              <a:ext uri="{FF2B5EF4-FFF2-40B4-BE49-F238E27FC236}">
+                <a16:creationId xmlns:a16="http://schemas.microsoft.com/office/drawing/2014/main" id="{FD4273B2-3542-815C-D520-D97C3B1083BA}"/>
               </a:ext>
             </a:extLst>
           </p:cNvPr>
@@ -4302,8 +4354,8 @@
         </p:nvSpPr>
         <p:spPr>
           <a:xfrm>
-            <a:off x="2342002" y="2237740"/>
-            <a:ext cx="93857" cy="731520"/>
+            <a:off x="1825752" y="2237740"/>
+            <a:ext cx="257048" cy="731520"/>
           </a:xfrm>
           <a:prstGeom prst="rect">
             <a:avLst/>
@@ -4342,10 +4394,10 @@
       </p:sp>
       <p:sp>
         <p:nvSpPr>
-          <p:cNvPr id="7" name="矩形 6">
-            <a:extLst>
-              <a:ext uri="{FF2B5EF4-FFF2-40B4-BE49-F238E27FC236}">
-                <a16:creationId xmlns:a16="http://schemas.microsoft.com/office/drawing/2014/main" id="{9494334C-658B-0F9C-06E3-36603CF1D450}"/>
+          <p:cNvPr id="6" name="矩形 5">
+            <a:extLst>
+              <a:ext uri="{FF2B5EF4-FFF2-40B4-BE49-F238E27FC236}">
+                <a16:creationId xmlns:a16="http://schemas.microsoft.com/office/drawing/2014/main" id="{965930AB-879A-A9BE-E736-4A87A18A6AD1}"/>
               </a:ext>
             </a:extLst>
           </p:cNvPr>
@@ -4354,8 +4406,8 @@
         </p:nvSpPr>
         <p:spPr>
           <a:xfrm>
-            <a:off x="1920240" y="2545080"/>
-            <a:ext cx="515620" cy="67056"/>
+            <a:off x="2342002" y="2237740"/>
+            <a:ext cx="93857" cy="731520"/>
           </a:xfrm>
           <a:prstGeom prst="rect">
             <a:avLst/>
@@ -4394,10 +4446,10 @@
       </p:sp>
       <p:sp>
         <p:nvSpPr>
-          <p:cNvPr id="8" name="矩形 7">
-            <a:extLst>
-              <a:ext uri="{FF2B5EF4-FFF2-40B4-BE49-F238E27FC236}">
-                <a16:creationId xmlns:a16="http://schemas.microsoft.com/office/drawing/2014/main" id="{B0177F30-F4F6-AE4A-9AA2-543141BF9F03}"/>
+          <p:cNvPr id="7" name="矩形 6">
+            <a:extLst>
+              <a:ext uri="{FF2B5EF4-FFF2-40B4-BE49-F238E27FC236}">
+                <a16:creationId xmlns:a16="http://schemas.microsoft.com/office/drawing/2014/main" id="{9494334C-658B-0F9C-06E3-36603CF1D450}"/>
               </a:ext>
             </a:extLst>
           </p:cNvPr>
@@ -4406,14 +4458,14 @@
         </p:nvSpPr>
         <p:spPr>
           <a:xfrm>
-            <a:off x="2526598" y="2237740"/>
-            <a:ext cx="211645" cy="731520"/>
+            <a:off x="1920240" y="2545080"/>
+            <a:ext cx="515620" cy="67056"/>
           </a:xfrm>
           <a:prstGeom prst="rect">
             <a:avLst/>
           </a:prstGeom>
           <a:solidFill>
-            <a:srgbClr val="00FF00"/>
+            <a:srgbClr val="FF0000"/>
           </a:solidFill>
           <a:ln>
             <a:noFill/>
@@ -4446,10 +4498,10 @@
       </p:sp>
       <p:sp>
         <p:nvSpPr>
-          <p:cNvPr id="16" name="椭圆 15">
-            <a:extLst>
-              <a:ext uri="{FF2B5EF4-FFF2-40B4-BE49-F238E27FC236}">
-                <a16:creationId xmlns:a16="http://schemas.microsoft.com/office/drawing/2014/main" id="{247FF328-D127-0E3D-DAD3-3E54F55458B8}"/>
+          <p:cNvPr id="8" name="矩形 7">
+            <a:extLst>
+              <a:ext uri="{FF2B5EF4-FFF2-40B4-BE49-F238E27FC236}">
+                <a16:creationId xmlns:a16="http://schemas.microsoft.com/office/drawing/2014/main" id="{B0177F30-F4F6-AE4A-9AA2-543141BF9F03}"/>
               </a:ext>
             </a:extLst>
           </p:cNvPr>
@@ -4458,10 +4510,10 @@
         </p:nvSpPr>
         <p:spPr>
           <a:xfrm>
-            <a:off x="2578100" y="2241550"/>
-            <a:ext cx="556260" cy="556260"/>
-          </a:xfrm>
-          <a:prstGeom prst="ellipse">
+            <a:off x="2526598" y="2237740"/>
+            <a:ext cx="211645" cy="731520"/>
+          </a:xfrm>
+          <a:prstGeom prst="rect">
             <a:avLst/>
           </a:prstGeom>
           <a:solidFill>
@@ -4498,10 +4550,10 @@
       </p:sp>
       <p:sp>
         <p:nvSpPr>
-          <p:cNvPr id="17" name="矩形 16">
-            <a:extLst>
-              <a:ext uri="{FF2B5EF4-FFF2-40B4-BE49-F238E27FC236}">
-                <a16:creationId xmlns:a16="http://schemas.microsoft.com/office/drawing/2014/main" id="{6D631A24-019D-4207-B458-2D1F9E3BCE63}"/>
+          <p:cNvPr id="16" name="椭圆 15">
+            <a:extLst>
+              <a:ext uri="{FF2B5EF4-FFF2-40B4-BE49-F238E27FC236}">
+                <a16:creationId xmlns:a16="http://schemas.microsoft.com/office/drawing/2014/main" id="{247FF328-D127-0E3D-DAD3-3E54F55458B8}"/>
               </a:ext>
             </a:extLst>
           </p:cNvPr>
@@ -4510,14 +4562,14 @@
         </p:nvSpPr>
         <p:spPr>
           <a:xfrm>
-            <a:off x="3185862" y="2237740"/>
-            <a:ext cx="235518" cy="731520"/>
-          </a:xfrm>
-          <a:prstGeom prst="rect">
+            <a:off x="2578100" y="2241550"/>
+            <a:ext cx="556260" cy="556260"/>
+          </a:xfrm>
+          <a:prstGeom prst="ellipse">
             <a:avLst/>
           </a:prstGeom>
           <a:solidFill>
-            <a:srgbClr val="FFFF05"/>
+            <a:srgbClr val="00FF00"/>
           </a:solidFill>
           <a:ln>
             <a:noFill/>
@@ -4550,10 +4602,10 @@
       </p:sp>
       <p:sp>
         <p:nvSpPr>
-          <p:cNvPr id="19" name="矩形 18">
-            <a:extLst>
-              <a:ext uri="{FF2B5EF4-FFF2-40B4-BE49-F238E27FC236}">
-                <a16:creationId xmlns:a16="http://schemas.microsoft.com/office/drawing/2014/main" id="{5C4B337F-735F-5060-01D2-F619714E73C7}"/>
+          <p:cNvPr id="17" name="矩形 16">
+            <a:extLst>
+              <a:ext uri="{FF2B5EF4-FFF2-40B4-BE49-F238E27FC236}">
+                <a16:creationId xmlns:a16="http://schemas.microsoft.com/office/drawing/2014/main" id="{6D631A24-019D-4207-B458-2D1F9E3BCE63}"/>
               </a:ext>
             </a:extLst>
           </p:cNvPr>
@@ -4562,8 +4614,8 @@
         </p:nvSpPr>
         <p:spPr>
           <a:xfrm>
-            <a:off x="3258819" y="2913888"/>
-            <a:ext cx="623333" cy="55372"/>
+            <a:off x="3185862" y="2237740"/>
+            <a:ext cx="235518" cy="731520"/>
           </a:xfrm>
           <a:prstGeom prst="rect">
             <a:avLst/>
@@ -4602,10 +4654,10 @@
       </p:sp>
       <p:sp>
         <p:nvSpPr>
-          <p:cNvPr id="20" name="椭圆 19">
-            <a:extLst>
-              <a:ext uri="{FF2B5EF4-FFF2-40B4-BE49-F238E27FC236}">
-                <a16:creationId xmlns:a16="http://schemas.microsoft.com/office/drawing/2014/main" id="{B6EC4EB2-08E4-4F92-FBBC-E85967ACBE84}"/>
+          <p:cNvPr id="19" name="矩形 18">
+            <a:extLst>
+              <a:ext uri="{FF2B5EF4-FFF2-40B4-BE49-F238E27FC236}">
+                <a16:creationId xmlns:a16="http://schemas.microsoft.com/office/drawing/2014/main" id="{5C4B337F-735F-5060-01D2-F619714E73C7}"/>
               </a:ext>
             </a:extLst>
           </p:cNvPr>
@@ -4614,19 +4666,17 @@
         </p:nvSpPr>
         <p:spPr>
           <a:xfrm>
-            <a:off x="2668042" y="2332639"/>
-            <a:ext cx="374082" cy="374082"/>
-          </a:xfrm>
-          <a:prstGeom prst="ellipse">
+            <a:off x="3258819" y="2913888"/>
+            <a:ext cx="623333" cy="55372"/>
+          </a:xfrm>
+          <a:prstGeom prst="rect">
             <a:avLst/>
           </a:prstGeom>
           <a:solidFill>
-            <a:schemeClr val="bg1"/>
+            <a:srgbClr val="FFFF05"/>
           </a:solidFill>
           <a:ln>
-            <a:solidFill>
-              <a:schemeClr val="bg1"/>
-            </a:solidFill>
+            <a:noFill/>
           </a:ln>
         </p:spPr>
         <p:style>
@@ -4656,10 +4706,10 @@
       </p:sp>
       <p:sp>
         <p:nvSpPr>
-          <p:cNvPr id="27" name="矩形 26">
-            <a:extLst>
-              <a:ext uri="{FF2B5EF4-FFF2-40B4-BE49-F238E27FC236}">
-                <a16:creationId xmlns:a16="http://schemas.microsoft.com/office/drawing/2014/main" id="{F45666E8-F097-5FF8-A68B-F66BB3604512}"/>
+          <p:cNvPr id="20" name="椭圆 19">
+            <a:extLst>
+              <a:ext uri="{FF2B5EF4-FFF2-40B4-BE49-F238E27FC236}">
+                <a16:creationId xmlns:a16="http://schemas.microsoft.com/office/drawing/2014/main" id="{B6EC4EB2-08E4-4F92-FBBC-E85967ACBE84}"/>
               </a:ext>
             </a:extLst>
           </p:cNvPr>
@@ -4668,17 +4718,19 @@
         </p:nvSpPr>
         <p:spPr>
           <a:xfrm>
-            <a:off x="1956435" y="3188398"/>
-            <a:ext cx="162560" cy="571120"/>
-          </a:xfrm>
-          <a:prstGeom prst="rect">
+            <a:off x="2668042" y="2332639"/>
+            <a:ext cx="374082" cy="374082"/>
+          </a:xfrm>
+          <a:prstGeom prst="ellipse">
             <a:avLst/>
           </a:prstGeom>
           <a:solidFill>
-            <a:srgbClr val="FF0000"/>
+            <a:schemeClr val="bg1"/>
           </a:solidFill>
           <a:ln>
-            <a:noFill/>
+            <a:solidFill>
+              <a:schemeClr val="bg1"/>
+            </a:solidFill>
           </a:ln>
         </p:spPr>
         <p:style>
@@ -4708,10 +4760,10 @@
       </p:sp>
       <p:sp>
         <p:nvSpPr>
-          <p:cNvPr id="28" name="矩形 27">
-            <a:extLst>
-              <a:ext uri="{FF2B5EF4-FFF2-40B4-BE49-F238E27FC236}">
-                <a16:creationId xmlns:a16="http://schemas.microsoft.com/office/drawing/2014/main" id="{01D1F036-7F5F-DAD6-4333-8283516CB126}"/>
+          <p:cNvPr id="27" name="矩形 26">
+            <a:extLst>
+              <a:ext uri="{FF2B5EF4-FFF2-40B4-BE49-F238E27FC236}">
+                <a16:creationId xmlns:a16="http://schemas.microsoft.com/office/drawing/2014/main" id="{F45666E8-F097-5FF8-A68B-F66BB3604512}"/>
               </a:ext>
             </a:extLst>
           </p:cNvPr>
@@ -4720,8 +4772,8 @@
         </p:nvSpPr>
         <p:spPr>
           <a:xfrm>
-            <a:off x="2412698" y="3188398"/>
-            <a:ext cx="59356" cy="571120"/>
+            <a:off x="1956435" y="3188398"/>
+            <a:ext cx="162560" cy="571120"/>
           </a:xfrm>
           <a:prstGeom prst="rect">
             <a:avLst/>
@@ -4760,10 +4812,10 @@
       </p:sp>
       <p:sp>
         <p:nvSpPr>
-          <p:cNvPr id="29" name="矩形 28">
-            <a:extLst>
-              <a:ext uri="{FF2B5EF4-FFF2-40B4-BE49-F238E27FC236}">
-                <a16:creationId xmlns:a16="http://schemas.microsoft.com/office/drawing/2014/main" id="{25E478F0-8588-2DC5-0708-41F279C9BC72}"/>
+          <p:cNvPr id="28" name="矩形 27">
+            <a:extLst>
+              <a:ext uri="{FF2B5EF4-FFF2-40B4-BE49-F238E27FC236}">
+                <a16:creationId xmlns:a16="http://schemas.microsoft.com/office/drawing/2014/main" id="{01D1F036-7F5F-DAD6-4333-8283516CB126}"/>
               </a:ext>
             </a:extLst>
           </p:cNvPr>
@@ -4772,8 +4824,8 @@
         </p:nvSpPr>
         <p:spPr>
           <a:xfrm>
-            <a:off x="1955275" y="3352003"/>
-            <a:ext cx="515620" cy="67056"/>
+            <a:off x="2412698" y="3188398"/>
+            <a:ext cx="59356" cy="571120"/>
           </a:xfrm>
           <a:prstGeom prst="rect">
             <a:avLst/>
@@ -4812,10 +4864,10 @@
       </p:sp>
       <p:sp>
         <p:nvSpPr>
-          <p:cNvPr id="30" name="矩形 29">
-            <a:extLst>
-              <a:ext uri="{FF2B5EF4-FFF2-40B4-BE49-F238E27FC236}">
-                <a16:creationId xmlns:a16="http://schemas.microsoft.com/office/drawing/2014/main" id="{C4A9928A-B940-5DBE-51C1-9487E21ABA9F}"/>
+          <p:cNvPr id="29" name="矩形 28">
+            <a:extLst>
+              <a:ext uri="{FF2B5EF4-FFF2-40B4-BE49-F238E27FC236}">
+                <a16:creationId xmlns:a16="http://schemas.microsoft.com/office/drawing/2014/main" id="{25E478F0-8588-2DC5-0708-41F279C9BC72}"/>
               </a:ext>
             </a:extLst>
           </p:cNvPr>
@@ -4824,14 +4876,14 @@
         </p:nvSpPr>
         <p:spPr>
           <a:xfrm>
-            <a:off x="2640591" y="3188398"/>
-            <a:ext cx="133847" cy="571120"/>
+            <a:off x="1955275" y="3352003"/>
+            <a:ext cx="515620" cy="67056"/>
           </a:xfrm>
           <a:prstGeom prst="rect">
             <a:avLst/>
           </a:prstGeom>
           <a:solidFill>
-            <a:srgbClr val="00FF00"/>
+            <a:srgbClr val="FF0000"/>
           </a:solidFill>
           <a:ln>
             <a:noFill/>
@@ -4864,10 +4916,10 @@
       </p:sp>
       <p:sp>
         <p:nvSpPr>
-          <p:cNvPr id="31" name="椭圆 30">
-            <a:extLst>
-              <a:ext uri="{FF2B5EF4-FFF2-40B4-BE49-F238E27FC236}">
-                <a16:creationId xmlns:a16="http://schemas.microsoft.com/office/drawing/2014/main" id="{E71B3999-50B7-7262-7C6E-DFE10DB72A09}"/>
+          <p:cNvPr id="30" name="矩形 29">
+            <a:extLst>
+              <a:ext uri="{FF2B5EF4-FFF2-40B4-BE49-F238E27FC236}">
+                <a16:creationId xmlns:a16="http://schemas.microsoft.com/office/drawing/2014/main" id="{C4A9928A-B940-5DBE-51C1-9487E21ABA9F}"/>
               </a:ext>
             </a:extLst>
           </p:cNvPr>
@@ -4876,10 +4928,10 @@
         </p:nvSpPr>
         <p:spPr>
           <a:xfrm>
-            <a:off x="2652234" y="3172489"/>
-            <a:ext cx="426085" cy="426085"/>
-          </a:xfrm>
-          <a:prstGeom prst="ellipse">
+            <a:off x="2640591" y="3188398"/>
+            <a:ext cx="133847" cy="571120"/>
+          </a:xfrm>
+          <a:prstGeom prst="rect">
             <a:avLst/>
           </a:prstGeom>
           <a:solidFill>
@@ -4916,10 +4968,10 @@
       </p:sp>
       <p:sp>
         <p:nvSpPr>
-          <p:cNvPr id="32" name="矩形 31">
-            <a:extLst>
-              <a:ext uri="{FF2B5EF4-FFF2-40B4-BE49-F238E27FC236}">
-                <a16:creationId xmlns:a16="http://schemas.microsoft.com/office/drawing/2014/main" id="{C9C50DA8-3BD2-08FE-B670-6A2DBDE103E3}"/>
+          <p:cNvPr id="31" name="椭圆 30">
+            <a:extLst>
+              <a:ext uri="{FF2B5EF4-FFF2-40B4-BE49-F238E27FC236}">
+                <a16:creationId xmlns:a16="http://schemas.microsoft.com/office/drawing/2014/main" id="{E71B3999-50B7-7262-7C6E-DFE10DB72A09}"/>
               </a:ext>
             </a:extLst>
           </p:cNvPr>
@@ -4928,14 +4980,14 @@
         </p:nvSpPr>
         <p:spPr>
           <a:xfrm>
-            <a:off x="3220503" y="3188398"/>
-            <a:ext cx="148944" cy="571120"/>
-          </a:xfrm>
-          <a:prstGeom prst="rect">
+            <a:off x="2652234" y="3172489"/>
+            <a:ext cx="426085" cy="426085"/>
+          </a:xfrm>
+          <a:prstGeom prst="ellipse">
             <a:avLst/>
           </a:prstGeom>
           <a:solidFill>
-            <a:srgbClr val="FFFF05"/>
+            <a:srgbClr val="00FF00"/>
           </a:solidFill>
           <a:ln>
             <a:noFill/>
@@ -4968,10 +5020,10 @@
       </p:sp>
       <p:sp>
         <p:nvSpPr>
-          <p:cNvPr id="33" name="矩形 32">
-            <a:extLst>
-              <a:ext uri="{FF2B5EF4-FFF2-40B4-BE49-F238E27FC236}">
-                <a16:creationId xmlns:a16="http://schemas.microsoft.com/office/drawing/2014/main" id="{62B639DF-44F2-0B4A-8654-2D7C19F55F58}"/>
+          <p:cNvPr id="32" name="矩形 31">
+            <a:extLst>
+              <a:ext uri="{FF2B5EF4-FFF2-40B4-BE49-F238E27FC236}">
+                <a16:creationId xmlns:a16="http://schemas.microsoft.com/office/drawing/2014/main" id="{C9C50DA8-3BD2-08FE-B670-6A2DBDE103E3}"/>
               </a:ext>
             </a:extLst>
           </p:cNvPr>
@@ -4980,8 +5032,8 @@
         </p:nvSpPr>
         <p:spPr>
           <a:xfrm>
-            <a:off x="3222057" y="3704146"/>
-            <a:ext cx="623333" cy="55372"/>
+            <a:off x="3220503" y="3188398"/>
+            <a:ext cx="148944" cy="571120"/>
           </a:xfrm>
           <a:prstGeom prst="rect">
             <a:avLst/>
@@ -5020,10 +5072,10 @@
       </p:sp>
       <p:sp>
         <p:nvSpPr>
-          <p:cNvPr id="34" name="椭圆 33">
-            <a:extLst>
-              <a:ext uri="{FF2B5EF4-FFF2-40B4-BE49-F238E27FC236}">
-                <a16:creationId xmlns:a16="http://schemas.microsoft.com/office/drawing/2014/main" id="{A64E3617-2F59-F32F-1AF0-9094105CCF9F}"/>
+          <p:cNvPr id="33" name="矩形 32">
+            <a:extLst>
+              <a:ext uri="{FF2B5EF4-FFF2-40B4-BE49-F238E27FC236}">
+                <a16:creationId xmlns:a16="http://schemas.microsoft.com/office/drawing/2014/main" id="{62B639DF-44F2-0B4A-8654-2D7C19F55F58}"/>
               </a:ext>
             </a:extLst>
           </p:cNvPr>
@@ -5032,19 +5084,17 @@
         </p:nvSpPr>
         <p:spPr>
           <a:xfrm>
-            <a:off x="2746324" y="3234281"/>
-            <a:ext cx="286540" cy="286540"/>
-          </a:xfrm>
-          <a:prstGeom prst="ellipse">
+            <a:off x="3222057" y="3704146"/>
+            <a:ext cx="623333" cy="55372"/>
+          </a:xfrm>
+          <a:prstGeom prst="rect">
             <a:avLst/>
           </a:prstGeom>
           <a:solidFill>
-            <a:schemeClr val="bg1"/>
+            <a:srgbClr val="FFFF05"/>
           </a:solidFill>
           <a:ln>
-            <a:solidFill>
-              <a:schemeClr val="bg1"/>
-            </a:solidFill>
+            <a:noFill/>
           </a:ln>
         </p:spPr>
         <p:style>
@@ -5074,10 +5124,10 @@
       </p:sp>
       <p:sp>
         <p:nvSpPr>
-          <p:cNvPr id="35" name="矩形 34">
-            <a:extLst>
-              <a:ext uri="{FF2B5EF4-FFF2-40B4-BE49-F238E27FC236}">
-                <a16:creationId xmlns:a16="http://schemas.microsoft.com/office/drawing/2014/main" id="{3B88192A-552E-D386-018C-286A31B1077C}"/>
+          <p:cNvPr id="34" name="椭圆 33">
+            <a:extLst>
+              <a:ext uri="{FF2B5EF4-FFF2-40B4-BE49-F238E27FC236}">
+                <a16:creationId xmlns:a16="http://schemas.microsoft.com/office/drawing/2014/main" id="{A64E3617-2F59-F32F-1AF0-9094105CCF9F}"/>
               </a:ext>
             </a:extLst>
           </p:cNvPr>
@@ -5086,17 +5136,19 @@
         </p:nvSpPr>
         <p:spPr>
           <a:xfrm>
-            <a:off x="2065197" y="4086687"/>
-            <a:ext cx="162560" cy="530890"/>
-          </a:xfrm>
-          <a:prstGeom prst="rect">
+            <a:off x="2746324" y="3234281"/>
+            <a:ext cx="286540" cy="286540"/>
+          </a:xfrm>
+          <a:prstGeom prst="ellipse">
             <a:avLst/>
           </a:prstGeom>
           <a:solidFill>
-            <a:srgbClr val="FF0000"/>
+            <a:schemeClr val="bg1"/>
           </a:solidFill>
           <a:ln>
-            <a:noFill/>
+            <a:solidFill>
+              <a:schemeClr val="bg1"/>
+            </a:solidFill>
           </a:ln>
         </p:spPr>
         <p:style>
@@ -5126,10 +5178,10 @@
       </p:sp>
       <p:sp>
         <p:nvSpPr>
-          <p:cNvPr id="36" name="矩形 35">
-            <a:extLst>
-              <a:ext uri="{FF2B5EF4-FFF2-40B4-BE49-F238E27FC236}">
-                <a16:creationId xmlns:a16="http://schemas.microsoft.com/office/drawing/2014/main" id="{1CDA3FF5-055A-0F20-BDE6-56E71120BACD}"/>
+          <p:cNvPr id="35" name="矩形 34">
+            <a:extLst>
+              <a:ext uri="{FF2B5EF4-FFF2-40B4-BE49-F238E27FC236}">
+                <a16:creationId xmlns:a16="http://schemas.microsoft.com/office/drawing/2014/main" id="{3B88192A-552E-D386-018C-286A31B1077C}"/>
               </a:ext>
             </a:extLst>
           </p:cNvPr>
@@ -5138,8 +5190,8 @@
         </p:nvSpPr>
         <p:spPr>
           <a:xfrm>
-            <a:off x="2479550" y="4086687"/>
-            <a:ext cx="59356" cy="530890"/>
+            <a:off x="2065197" y="4086687"/>
+            <a:ext cx="162560" cy="530890"/>
           </a:xfrm>
           <a:prstGeom prst="rect">
             <a:avLst/>
@@ -5178,10 +5230,10 @@
       </p:sp>
       <p:sp>
         <p:nvSpPr>
-          <p:cNvPr id="37" name="矩形 36">
-            <a:extLst>
-              <a:ext uri="{FF2B5EF4-FFF2-40B4-BE49-F238E27FC236}">
-                <a16:creationId xmlns:a16="http://schemas.microsoft.com/office/drawing/2014/main" id="{DD7E38E3-F18D-18E0-CD58-06D66AF6B2EE}"/>
+          <p:cNvPr id="36" name="矩形 35">
+            <a:extLst>
+              <a:ext uri="{FF2B5EF4-FFF2-40B4-BE49-F238E27FC236}">
+                <a16:creationId xmlns:a16="http://schemas.microsoft.com/office/drawing/2014/main" id="{1CDA3FF5-055A-0F20-BDE6-56E71120BACD}"/>
               </a:ext>
             </a:extLst>
           </p:cNvPr>
@@ -5190,8 +5242,8 @@
         </p:nvSpPr>
         <p:spPr>
           <a:xfrm>
-            <a:off x="2085199" y="4214784"/>
-            <a:ext cx="452547" cy="62333"/>
+            <a:off x="2479550" y="4086687"/>
+            <a:ext cx="59356" cy="530890"/>
           </a:xfrm>
           <a:prstGeom prst="rect">
             <a:avLst/>
@@ -5230,10 +5282,10 @@
       </p:sp>
       <p:sp>
         <p:nvSpPr>
-          <p:cNvPr id="38" name="矩形 37">
-            <a:extLst>
-              <a:ext uri="{FF2B5EF4-FFF2-40B4-BE49-F238E27FC236}">
-                <a16:creationId xmlns:a16="http://schemas.microsoft.com/office/drawing/2014/main" id="{02513907-AD0E-7A05-4D47-EA9015BF131A}"/>
+          <p:cNvPr id="37" name="矩形 36">
+            <a:extLst>
+              <a:ext uri="{FF2B5EF4-FFF2-40B4-BE49-F238E27FC236}">
+                <a16:creationId xmlns:a16="http://schemas.microsoft.com/office/drawing/2014/main" id="{DD7E38E3-F18D-18E0-CD58-06D66AF6B2EE}"/>
               </a:ext>
             </a:extLst>
           </p:cNvPr>
@@ -5242,14 +5294,14 @@
         </p:nvSpPr>
         <p:spPr>
           <a:xfrm>
-            <a:off x="2657736" y="4088130"/>
-            <a:ext cx="133847" cy="530890"/>
+            <a:off x="2085199" y="4214784"/>
+            <a:ext cx="452547" cy="62333"/>
           </a:xfrm>
           <a:prstGeom prst="rect">
             <a:avLst/>
           </a:prstGeom>
           <a:solidFill>
-            <a:srgbClr val="00FF00"/>
+            <a:srgbClr val="FF0000"/>
           </a:solidFill>
           <a:ln>
             <a:noFill/>
@@ -5282,10 +5334,10 @@
       </p:sp>
       <p:sp>
         <p:nvSpPr>
-          <p:cNvPr id="39" name="椭圆 38">
-            <a:extLst>
-              <a:ext uri="{FF2B5EF4-FFF2-40B4-BE49-F238E27FC236}">
-                <a16:creationId xmlns:a16="http://schemas.microsoft.com/office/drawing/2014/main" id="{84ABE98B-9300-E5E7-02A2-E6F6081D6DFF}"/>
+          <p:cNvPr id="38" name="矩形 37">
+            <a:extLst>
+              <a:ext uri="{FF2B5EF4-FFF2-40B4-BE49-F238E27FC236}">
+                <a16:creationId xmlns:a16="http://schemas.microsoft.com/office/drawing/2014/main" id="{02513907-AD0E-7A05-4D47-EA9015BF131A}"/>
               </a:ext>
             </a:extLst>
           </p:cNvPr>
@@ -5294,10 +5346,10 @@
         </p:nvSpPr>
         <p:spPr>
           <a:xfrm>
-            <a:off x="2668042" y="4071530"/>
-            <a:ext cx="426085" cy="396071"/>
-          </a:xfrm>
-          <a:prstGeom prst="ellipse">
+            <a:off x="2657736" y="4088130"/>
+            <a:ext cx="133847" cy="530890"/>
+          </a:xfrm>
+          <a:prstGeom prst="rect">
             <a:avLst/>
           </a:prstGeom>
           <a:solidFill>
@@ -5334,10 +5386,10 @@
       </p:sp>
       <p:sp>
         <p:nvSpPr>
-          <p:cNvPr id="40" name="矩形 39">
-            <a:extLst>
-              <a:ext uri="{FF2B5EF4-FFF2-40B4-BE49-F238E27FC236}">
-                <a16:creationId xmlns:a16="http://schemas.microsoft.com/office/drawing/2014/main" id="{CC67DE56-E481-07A6-3B8E-1EA6795D1D8B}"/>
+          <p:cNvPr id="39" name="椭圆 38">
+            <a:extLst>
+              <a:ext uri="{FF2B5EF4-FFF2-40B4-BE49-F238E27FC236}">
+                <a16:creationId xmlns:a16="http://schemas.microsoft.com/office/drawing/2014/main" id="{84ABE98B-9300-E5E7-02A2-E6F6081D6DFF}"/>
               </a:ext>
             </a:extLst>
           </p:cNvPr>
@@ -5346,14 +5398,14 @@
         </p:nvSpPr>
         <p:spPr>
           <a:xfrm>
-            <a:off x="3185862" y="4086687"/>
-            <a:ext cx="148944" cy="530890"/>
-          </a:xfrm>
-          <a:prstGeom prst="rect">
+            <a:off x="2668042" y="4071530"/>
+            <a:ext cx="426085" cy="396071"/>
+          </a:xfrm>
+          <a:prstGeom prst="ellipse">
             <a:avLst/>
           </a:prstGeom>
           <a:solidFill>
-            <a:srgbClr val="FFFF05"/>
+            <a:srgbClr val="00FF00"/>
           </a:solidFill>
           <a:ln>
             <a:noFill/>
@@ -5386,10 +5438,10 @@
       </p:sp>
       <p:sp>
         <p:nvSpPr>
-          <p:cNvPr id="41" name="矩形 40">
-            <a:extLst>
-              <a:ext uri="{FF2B5EF4-FFF2-40B4-BE49-F238E27FC236}">
-                <a16:creationId xmlns:a16="http://schemas.microsoft.com/office/drawing/2014/main" id="{373915EF-5E5D-1F4A-329A-5C689FF8BE37}"/>
+          <p:cNvPr id="40" name="矩形 39">
+            <a:extLst>
+              <a:ext uri="{FF2B5EF4-FFF2-40B4-BE49-F238E27FC236}">
+                <a16:creationId xmlns:a16="http://schemas.microsoft.com/office/drawing/2014/main" id="{CC67DE56-E481-07A6-3B8E-1EA6795D1D8B}"/>
               </a:ext>
             </a:extLst>
           </p:cNvPr>
@@ -5398,8 +5450,8 @@
         </p:nvSpPr>
         <p:spPr>
           <a:xfrm>
-            <a:off x="3217962" y="4566105"/>
-            <a:ext cx="483168" cy="51472"/>
+            <a:off x="3185862" y="4086687"/>
+            <a:ext cx="148944" cy="530890"/>
           </a:xfrm>
           <a:prstGeom prst="rect">
             <a:avLst/>
@@ -5438,6 +5490,58 @@
       </p:sp>
       <p:sp>
         <p:nvSpPr>
+          <p:cNvPr id="41" name="矩形 40">
+            <a:extLst>
+              <a:ext uri="{FF2B5EF4-FFF2-40B4-BE49-F238E27FC236}">
+                <a16:creationId xmlns:a16="http://schemas.microsoft.com/office/drawing/2014/main" id="{373915EF-5E5D-1F4A-329A-5C689FF8BE37}"/>
+              </a:ext>
+            </a:extLst>
+          </p:cNvPr>
+          <p:cNvSpPr/>
+          <p:nvPr/>
+        </p:nvSpPr>
+        <p:spPr>
+          <a:xfrm>
+            <a:off x="3217962" y="4566105"/>
+            <a:ext cx="483168" cy="51472"/>
+          </a:xfrm>
+          <a:prstGeom prst="rect">
+            <a:avLst/>
+          </a:prstGeom>
+          <a:solidFill>
+            <a:srgbClr val="FFFF05"/>
+          </a:solidFill>
+          <a:ln>
+            <a:noFill/>
+          </a:ln>
+        </p:spPr>
+        <p:style>
+          <a:lnRef idx="2">
+            <a:schemeClr val="accent1">
+              <a:shade val="50000"/>
+            </a:schemeClr>
+          </a:lnRef>
+          <a:fillRef idx="1">
+            <a:schemeClr val="accent1"/>
+          </a:fillRef>
+          <a:effectRef idx="0">
+            <a:schemeClr val="accent1"/>
+          </a:effectRef>
+          <a:fontRef idx="minor">
+            <a:schemeClr val="lt1"/>
+          </a:fontRef>
+        </p:style>
+        <p:txBody>
+          <a:bodyPr rtlCol="0" anchor="ctr"/>
+          <a:lstStyle/>
+          <a:p>
+            <a:pPr algn="ctr"/>
+            <a:endParaRPr lang="zh-CN" altLang="en-US"/>
+          </a:p>
+        </p:txBody>
+      </p:sp>
+      <p:sp>
+        <p:nvSpPr>
           <p:cNvPr id="42" name="椭圆 41">
             <a:extLst>
               <a:ext uri="{FF2B5EF4-FFF2-40B4-BE49-F238E27FC236}">
@@ -5463,6 +5567,838 @@
             <a:solidFill>
               <a:schemeClr val="bg1"/>
             </a:solidFill>
+          </a:ln>
+        </p:spPr>
+        <p:style>
+          <a:lnRef idx="2">
+            <a:schemeClr val="accent1">
+              <a:shade val="50000"/>
+            </a:schemeClr>
+          </a:lnRef>
+          <a:fillRef idx="1">
+            <a:schemeClr val="accent1"/>
+          </a:fillRef>
+          <a:effectRef idx="0">
+            <a:schemeClr val="accent1"/>
+          </a:effectRef>
+          <a:fontRef idx="minor">
+            <a:schemeClr val="lt1"/>
+          </a:fontRef>
+        </p:style>
+        <p:txBody>
+          <a:bodyPr rtlCol="0" anchor="ctr"/>
+          <a:lstStyle/>
+          <a:p>
+            <a:pPr algn="ctr"/>
+            <a:endParaRPr lang="zh-CN" altLang="en-US"/>
+          </a:p>
+        </p:txBody>
+      </p:sp>
+      <p:sp>
+        <p:nvSpPr>
+          <p:cNvPr id="26" name="矩形 25">
+            <a:extLst>
+              <a:ext uri="{FF2B5EF4-FFF2-40B4-BE49-F238E27FC236}">
+                <a16:creationId xmlns:a16="http://schemas.microsoft.com/office/drawing/2014/main" id="{0F9B87E9-8D27-2A14-3799-37C6290D6080}"/>
+              </a:ext>
+            </a:extLst>
+          </p:cNvPr>
+          <p:cNvSpPr/>
+          <p:nvPr/>
+        </p:nvSpPr>
+        <p:spPr>
+          <a:xfrm>
+            <a:off x="5791713" y="2637870"/>
+            <a:ext cx="136201" cy="530890"/>
+          </a:xfrm>
+          <a:prstGeom prst="rect">
+            <a:avLst/>
+          </a:prstGeom>
+          <a:solidFill>
+            <a:srgbClr val="FF0000"/>
+          </a:solidFill>
+          <a:ln>
+            <a:noFill/>
+          </a:ln>
+        </p:spPr>
+        <p:style>
+          <a:lnRef idx="2">
+            <a:schemeClr val="accent1">
+              <a:shade val="50000"/>
+            </a:schemeClr>
+          </a:lnRef>
+          <a:fillRef idx="1">
+            <a:schemeClr val="accent1"/>
+          </a:fillRef>
+          <a:effectRef idx="0">
+            <a:schemeClr val="accent1"/>
+          </a:effectRef>
+          <a:fontRef idx="minor">
+            <a:schemeClr val="lt1"/>
+          </a:fontRef>
+        </p:style>
+        <p:txBody>
+          <a:bodyPr rtlCol="0" anchor="ctr"/>
+          <a:lstStyle/>
+          <a:p>
+            <a:pPr algn="ctr"/>
+            <a:endParaRPr lang="zh-CN" altLang="en-US"/>
+          </a:p>
+        </p:txBody>
+      </p:sp>
+      <p:sp>
+        <p:nvSpPr>
+          <p:cNvPr id="64" name="矩形 63">
+            <a:extLst>
+              <a:ext uri="{FF2B5EF4-FFF2-40B4-BE49-F238E27FC236}">
+                <a16:creationId xmlns:a16="http://schemas.microsoft.com/office/drawing/2014/main" id="{B8C45906-57C2-B3FC-E752-4BFDB88C1AE7}"/>
+              </a:ext>
+            </a:extLst>
+          </p:cNvPr>
+          <p:cNvSpPr/>
+          <p:nvPr/>
+        </p:nvSpPr>
+        <p:spPr>
+          <a:xfrm>
+            <a:off x="5953456" y="2812514"/>
+            <a:ext cx="116100" cy="129060"/>
+          </a:xfrm>
+          <a:prstGeom prst="rect">
+            <a:avLst/>
+          </a:prstGeom>
+          <a:solidFill>
+            <a:srgbClr val="FF0000"/>
+          </a:solidFill>
+          <a:ln>
+            <a:noFill/>
+          </a:ln>
+        </p:spPr>
+        <p:style>
+          <a:lnRef idx="2">
+            <a:schemeClr val="accent1">
+              <a:shade val="50000"/>
+            </a:schemeClr>
+          </a:lnRef>
+          <a:fillRef idx="1">
+            <a:schemeClr val="accent1"/>
+          </a:fillRef>
+          <a:effectRef idx="0">
+            <a:schemeClr val="accent1"/>
+          </a:effectRef>
+          <a:fontRef idx="minor">
+            <a:schemeClr val="lt1"/>
+          </a:fontRef>
+        </p:style>
+        <p:txBody>
+          <a:bodyPr rtlCol="0" anchor="ctr"/>
+          <a:lstStyle/>
+          <a:p>
+            <a:pPr algn="ctr"/>
+            <a:endParaRPr lang="zh-CN" altLang="en-US"/>
+          </a:p>
+        </p:txBody>
+      </p:sp>
+      <p:sp>
+        <p:nvSpPr>
+          <p:cNvPr id="65" name="矩形 64">
+            <a:extLst>
+              <a:ext uri="{FF2B5EF4-FFF2-40B4-BE49-F238E27FC236}">
+                <a16:creationId xmlns:a16="http://schemas.microsoft.com/office/drawing/2014/main" id="{F546C5D9-C517-97B7-603B-8A85E576856C}"/>
+              </a:ext>
+            </a:extLst>
+          </p:cNvPr>
+          <p:cNvSpPr/>
+          <p:nvPr/>
+        </p:nvSpPr>
+        <p:spPr>
+          <a:xfrm>
+            <a:off x="6099093" y="2637870"/>
+            <a:ext cx="66909" cy="530890"/>
+          </a:xfrm>
+          <a:prstGeom prst="rect">
+            <a:avLst/>
+          </a:prstGeom>
+          <a:solidFill>
+            <a:srgbClr val="FF0000"/>
+          </a:solidFill>
+          <a:ln>
+            <a:noFill/>
+          </a:ln>
+        </p:spPr>
+        <p:style>
+          <a:lnRef idx="2">
+            <a:schemeClr val="accent1">
+              <a:shade val="50000"/>
+            </a:schemeClr>
+          </a:lnRef>
+          <a:fillRef idx="1">
+            <a:schemeClr val="accent1"/>
+          </a:fillRef>
+          <a:effectRef idx="0">
+            <a:schemeClr val="accent1"/>
+          </a:effectRef>
+          <a:fontRef idx="minor">
+            <a:schemeClr val="lt1"/>
+          </a:fontRef>
+        </p:style>
+        <p:txBody>
+          <a:bodyPr rtlCol="0" anchor="ctr"/>
+          <a:lstStyle/>
+          <a:p>
+            <a:pPr algn="ctr"/>
+            <a:endParaRPr lang="zh-CN" altLang="en-US"/>
+          </a:p>
+        </p:txBody>
+      </p:sp>
+      <p:sp>
+        <p:nvSpPr>
+          <p:cNvPr id="68" name="矩形 67">
+            <a:extLst>
+              <a:ext uri="{FF2B5EF4-FFF2-40B4-BE49-F238E27FC236}">
+                <a16:creationId xmlns:a16="http://schemas.microsoft.com/office/drawing/2014/main" id="{2EA58835-8DE5-0E88-12E6-9D9E61B3A43B}"/>
+              </a:ext>
+            </a:extLst>
+          </p:cNvPr>
+          <p:cNvSpPr/>
+          <p:nvPr/>
+        </p:nvSpPr>
+        <p:spPr>
+          <a:xfrm>
+            <a:off x="6275080" y="2640156"/>
+            <a:ext cx="136201" cy="530890"/>
+          </a:xfrm>
+          <a:prstGeom prst="rect">
+            <a:avLst/>
+          </a:prstGeom>
+          <a:solidFill>
+            <a:srgbClr val="00FF00"/>
+          </a:solidFill>
+          <a:ln>
+            <a:noFill/>
+          </a:ln>
+        </p:spPr>
+        <p:style>
+          <a:lnRef idx="2">
+            <a:schemeClr val="accent1">
+              <a:shade val="50000"/>
+            </a:schemeClr>
+          </a:lnRef>
+          <a:fillRef idx="1">
+            <a:schemeClr val="accent1"/>
+          </a:fillRef>
+          <a:effectRef idx="0">
+            <a:schemeClr val="accent1"/>
+          </a:effectRef>
+          <a:fontRef idx="minor">
+            <a:schemeClr val="lt1"/>
+          </a:fontRef>
+        </p:style>
+        <p:txBody>
+          <a:bodyPr rtlCol="0" anchor="ctr"/>
+          <a:lstStyle/>
+          <a:p>
+            <a:pPr algn="ctr"/>
+            <a:endParaRPr lang="zh-CN" altLang="en-US"/>
+          </a:p>
+        </p:txBody>
+      </p:sp>
+      <p:sp>
+        <p:nvSpPr>
+          <p:cNvPr id="69" name="矩形 68">
+            <a:extLst>
+              <a:ext uri="{FF2B5EF4-FFF2-40B4-BE49-F238E27FC236}">
+                <a16:creationId xmlns:a16="http://schemas.microsoft.com/office/drawing/2014/main" id="{0BEADC33-CB9A-11B6-89B6-1873DA6C3D5F}"/>
+              </a:ext>
+            </a:extLst>
+          </p:cNvPr>
+          <p:cNvSpPr/>
+          <p:nvPr/>
+        </p:nvSpPr>
+        <p:spPr>
+          <a:xfrm>
+            <a:off x="6436823" y="2642190"/>
+            <a:ext cx="173706" cy="271697"/>
+          </a:xfrm>
+          <a:prstGeom prst="rect">
+            <a:avLst/>
+          </a:prstGeom>
+          <a:solidFill>
+            <a:srgbClr val="00FF00"/>
+          </a:solidFill>
+          <a:ln>
+            <a:noFill/>
+          </a:ln>
+        </p:spPr>
+        <p:style>
+          <a:lnRef idx="2">
+            <a:schemeClr val="accent1">
+              <a:shade val="50000"/>
+            </a:schemeClr>
+          </a:lnRef>
+          <a:fillRef idx="1">
+            <a:schemeClr val="accent1"/>
+          </a:fillRef>
+          <a:effectRef idx="0">
+            <a:schemeClr val="accent1"/>
+          </a:effectRef>
+          <a:fontRef idx="minor">
+            <a:schemeClr val="lt1"/>
+          </a:fontRef>
+        </p:style>
+        <p:txBody>
+          <a:bodyPr rtlCol="0" anchor="ctr"/>
+          <a:lstStyle/>
+          <a:p>
+            <a:pPr algn="ctr"/>
+            <a:endParaRPr lang="zh-CN" altLang="en-US"/>
+          </a:p>
+        </p:txBody>
+      </p:sp>
+      <p:sp>
+        <p:nvSpPr>
+          <p:cNvPr id="70" name="矩形 69">
+            <a:extLst>
+              <a:ext uri="{FF2B5EF4-FFF2-40B4-BE49-F238E27FC236}">
+                <a16:creationId xmlns:a16="http://schemas.microsoft.com/office/drawing/2014/main" id="{52E1011A-AA7D-C08B-6693-523D89B79047}"/>
+              </a:ext>
+            </a:extLst>
+          </p:cNvPr>
+          <p:cNvSpPr/>
+          <p:nvPr/>
+        </p:nvSpPr>
+        <p:spPr>
+          <a:xfrm>
+            <a:off x="6725282" y="2637870"/>
+            <a:ext cx="136201" cy="530890"/>
+          </a:xfrm>
+          <a:prstGeom prst="rect">
+            <a:avLst/>
+          </a:prstGeom>
+          <a:solidFill>
+            <a:srgbClr val="FFFF05"/>
+          </a:solidFill>
+          <a:ln>
+            <a:noFill/>
+          </a:ln>
+        </p:spPr>
+        <p:style>
+          <a:lnRef idx="2">
+            <a:schemeClr val="accent1">
+              <a:shade val="50000"/>
+            </a:schemeClr>
+          </a:lnRef>
+          <a:fillRef idx="1">
+            <a:schemeClr val="accent1"/>
+          </a:fillRef>
+          <a:effectRef idx="0">
+            <a:schemeClr val="accent1"/>
+          </a:effectRef>
+          <a:fontRef idx="minor">
+            <a:schemeClr val="lt1"/>
+          </a:fontRef>
+        </p:style>
+        <p:txBody>
+          <a:bodyPr rtlCol="0" anchor="ctr"/>
+          <a:lstStyle/>
+          <a:p>
+            <a:pPr algn="ctr"/>
+            <a:endParaRPr lang="zh-CN" altLang="en-US"/>
+          </a:p>
+        </p:txBody>
+      </p:sp>
+      <p:sp>
+        <p:nvSpPr>
+          <p:cNvPr id="71" name="矩形 70">
+            <a:extLst>
+              <a:ext uri="{FF2B5EF4-FFF2-40B4-BE49-F238E27FC236}">
+                <a16:creationId xmlns:a16="http://schemas.microsoft.com/office/drawing/2014/main" id="{CFAB8BC1-DE75-706C-4850-0E1B4BA85CC7}"/>
+              </a:ext>
+            </a:extLst>
+          </p:cNvPr>
+          <p:cNvSpPr/>
+          <p:nvPr/>
+        </p:nvSpPr>
+        <p:spPr>
+          <a:xfrm>
+            <a:off x="6891020" y="3039700"/>
+            <a:ext cx="169711" cy="129060"/>
+          </a:xfrm>
+          <a:prstGeom prst="rect">
+            <a:avLst/>
+          </a:prstGeom>
+          <a:solidFill>
+            <a:srgbClr val="FFFF05"/>
+          </a:solidFill>
+          <a:ln>
+            <a:noFill/>
+          </a:ln>
+        </p:spPr>
+        <p:style>
+          <a:lnRef idx="2">
+            <a:schemeClr val="accent1">
+              <a:shade val="50000"/>
+            </a:schemeClr>
+          </a:lnRef>
+          <a:fillRef idx="1">
+            <a:schemeClr val="accent1"/>
+          </a:fillRef>
+          <a:effectRef idx="0">
+            <a:schemeClr val="accent1"/>
+          </a:effectRef>
+          <a:fontRef idx="minor">
+            <a:schemeClr val="lt1"/>
+          </a:fontRef>
+        </p:style>
+        <p:txBody>
+          <a:bodyPr rtlCol="0" anchor="ctr"/>
+          <a:lstStyle/>
+          <a:p>
+            <a:pPr algn="ctr"/>
+            <a:endParaRPr lang="zh-CN" altLang="en-US"/>
+          </a:p>
+        </p:txBody>
+      </p:sp>
+      <p:sp>
+        <p:nvSpPr>
+          <p:cNvPr id="74" name="矩形 73">
+            <a:extLst>
+              <a:ext uri="{FF2B5EF4-FFF2-40B4-BE49-F238E27FC236}">
+                <a16:creationId xmlns:a16="http://schemas.microsoft.com/office/drawing/2014/main" id="{4EA9ABCA-C280-6794-0B73-A00BD8836294}"/>
+              </a:ext>
+            </a:extLst>
+          </p:cNvPr>
+          <p:cNvSpPr/>
+          <p:nvPr/>
+        </p:nvSpPr>
+        <p:spPr>
+          <a:xfrm>
+            <a:off x="4625939" y="3909662"/>
+            <a:ext cx="8572499" cy="838197"/>
+          </a:xfrm>
+          <a:prstGeom prst="rect">
+            <a:avLst/>
+          </a:prstGeom>
+          <a:solidFill>
+            <a:srgbClr val="172533"/>
+          </a:solidFill>
+          <a:ln>
+            <a:noFill/>
+          </a:ln>
+        </p:spPr>
+        <p:style>
+          <a:lnRef idx="2">
+            <a:schemeClr val="accent1">
+              <a:shade val="50000"/>
+            </a:schemeClr>
+          </a:lnRef>
+          <a:fillRef idx="1">
+            <a:schemeClr val="accent1"/>
+          </a:fillRef>
+          <a:effectRef idx="0">
+            <a:schemeClr val="accent1"/>
+          </a:effectRef>
+          <a:fontRef idx="minor">
+            <a:schemeClr val="lt1"/>
+          </a:fontRef>
+        </p:style>
+        <p:txBody>
+          <a:bodyPr rtlCol="0" anchor="ctr"/>
+          <a:lstStyle/>
+          <a:p>
+            <a:pPr algn="ctr"/>
+            <a:endParaRPr lang="zh-CN" altLang="en-US"/>
+          </a:p>
+        </p:txBody>
+      </p:sp>
+      <p:sp>
+        <p:nvSpPr>
+          <p:cNvPr id="75" name="矩形 74">
+            <a:extLst>
+              <a:ext uri="{FF2B5EF4-FFF2-40B4-BE49-F238E27FC236}">
+                <a16:creationId xmlns:a16="http://schemas.microsoft.com/office/drawing/2014/main" id="{628B8A31-F1AC-91D5-D088-B7668A32704B}"/>
+              </a:ext>
+            </a:extLst>
+          </p:cNvPr>
+          <p:cNvSpPr/>
+          <p:nvPr/>
+        </p:nvSpPr>
+        <p:spPr>
+          <a:xfrm>
+            <a:off x="4909797" y="4067304"/>
+            <a:ext cx="162560" cy="530890"/>
+          </a:xfrm>
+          <a:prstGeom prst="rect">
+            <a:avLst/>
+          </a:prstGeom>
+          <a:solidFill>
+            <a:srgbClr val="FF0000"/>
+          </a:solidFill>
+          <a:ln>
+            <a:noFill/>
+          </a:ln>
+        </p:spPr>
+        <p:style>
+          <a:lnRef idx="2">
+            <a:schemeClr val="accent1">
+              <a:shade val="50000"/>
+            </a:schemeClr>
+          </a:lnRef>
+          <a:fillRef idx="1">
+            <a:schemeClr val="accent1"/>
+          </a:fillRef>
+          <a:effectRef idx="0">
+            <a:schemeClr val="accent1"/>
+          </a:effectRef>
+          <a:fontRef idx="minor">
+            <a:schemeClr val="lt1"/>
+          </a:fontRef>
+        </p:style>
+        <p:txBody>
+          <a:bodyPr rtlCol="0" anchor="ctr"/>
+          <a:lstStyle/>
+          <a:p>
+            <a:pPr algn="ctr"/>
+            <a:endParaRPr lang="zh-CN" altLang="en-US"/>
+          </a:p>
+        </p:txBody>
+      </p:sp>
+      <p:sp>
+        <p:nvSpPr>
+          <p:cNvPr id="76" name="矩形 75">
+            <a:extLst>
+              <a:ext uri="{FF2B5EF4-FFF2-40B4-BE49-F238E27FC236}">
+                <a16:creationId xmlns:a16="http://schemas.microsoft.com/office/drawing/2014/main" id="{C719B3E0-E407-B9F3-3CFC-9EEF8AA79165}"/>
+              </a:ext>
+            </a:extLst>
+          </p:cNvPr>
+          <p:cNvSpPr/>
+          <p:nvPr/>
+        </p:nvSpPr>
+        <p:spPr>
+          <a:xfrm>
+            <a:off x="5282947" y="4067304"/>
+            <a:ext cx="59356" cy="530890"/>
+          </a:xfrm>
+          <a:prstGeom prst="rect">
+            <a:avLst/>
+          </a:prstGeom>
+          <a:solidFill>
+            <a:srgbClr val="FF0000"/>
+          </a:solidFill>
+          <a:ln>
+            <a:noFill/>
+          </a:ln>
+        </p:spPr>
+        <p:style>
+          <a:lnRef idx="2">
+            <a:schemeClr val="accent1">
+              <a:shade val="50000"/>
+            </a:schemeClr>
+          </a:lnRef>
+          <a:fillRef idx="1">
+            <a:schemeClr val="accent1"/>
+          </a:fillRef>
+          <a:effectRef idx="0">
+            <a:schemeClr val="accent1"/>
+          </a:effectRef>
+          <a:fontRef idx="minor">
+            <a:schemeClr val="lt1"/>
+          </a:fontRef>
+        </p:style>
+        <p:txBody>
+          <a:bodyPr rtlCol="0" anchor="ctr"/>
+          <a:lstStyle/>
+          <a:p>
+            <a:pPr algn="ctr"/>
+            <a:endParaRPr lang="zh-CN" altLang="en-US"/>
+          </a:p>
+        </p:txBody>
+      </p:sp>
+      <p:sp>
+        <p:nvSpPr>
+          <p:cNvPr id="77" name="矩形 76">
+            <a:extLst>
+              <a:ext uri="{FF2B5EF4-FFF2-40B4-BE49-F238E27FC236}">
+                <a16:creationId xmlns:a16="http://schemas.microsoft.com/office/drawing/2014/main" id="{C3B095A9-D240-D733-9570-E75CF313C36D}"/>
+              </a:ext>
+            </a:extLst>
+          </p:cNvPr>
+          <p:cNvSpPr/>
+          <p:nvPr/>
+        </p:nvSpPr>
+        <p:spPr>
+          <a:xfrm>
+            <a:off x="4923248" y="4302447"/>
+            <a:ext cx="399322" cy="46034"/>
+          </a:xfrm>
+          <a:prstGeom prst="rect">
+            <a:avLst/>
+          </a:prstGeom>
+          <a:solidFill>
+            <a:srgbClr val="FF0000"/>
+          </a:solidFill>
+          <a:ln>
+            <a:noFill/>
+          </a:ln>
+        </p:spPr>
+        <p:style>
+          <a:lnRef idx="2">
+            <a:schemeClr val="accent1">
+              <a:shade val="50000"/>
+            </a:schemeClr>
+          </a:lnRef>
+          <a:fillRef idx="1">
+            <a:schemeClr val="accent1"/>
+          </a:fillRef>
+          <a:effectRef idx="0">
+            <a:schemeClr val="accent1"/>
+          </a:effectRef>
+          <a:fontRef idx="minor">
+            <a:schemeClr val="lt1"/>
+          </a:fontRef>
+        </p:style>
+        <p:txBody>
+          <a:bodyPr rtlCol="0" anchor="ctr"/>
+          <a:lstStyle/>
+          <a:p>
+            <a:pPr algn="ctr"/>
+            <a:endParaRPr lang="zh-CN" altLang="en-US"/>
+          </a:p>
+        </p:txBody>
+      </p:sp>
+      <p:sp>
+        <p:nvSpPr>
+          <p:cNvPr id="78" name="矩形 77">
+            <a:extLst>
+              <a:ext uri="{FF2B5EF4-FFF2-40B4-BE49-F238E27FC236}">
+                <a16:creationId xmlns:a16="http://schemas.microsoft.com/office/drawing/2014/main" id="{4A5F8DE5-BB12-ACDE-4FF2-81019A3B40C8}"/>
+              </a:ext>
+            </a:extLst>
+          </p:cNvPr>
+          <p:cNvSpPr/>
+          <p:nvPr/>
+        </p:nvSpPr>
+        <p:spPr>
+          <a:xfrm>
+            <a:off x="5471285" y="4068747"/>
+            <a:ext cx="123695" cy="530890"/>
+          </a:xfrm>
+          <a:prstGeom prst="rect">
+            <a:avLst/>
+          </a:prstGeom>
+          <a:solidFill>
+            <a:srgbClr val="00FF00"/>
+          </a:solidFill>
+          <a:ln>
+            <a:noFill/>
+          </a:ln>
+        </p:spPr>
+        <p:style>
+          <a:lnRef idx="2">
+            <a:schemeClr val="accent1">
+              <a:shade val="50000"/>
+            </a:schemeClr>
+          </a:lnRef>
+          <a:fillRef idx="1">
+            <a:schemeClr val="accent1"/>
+          </a:fillRef>
+          <a:effectRef idx="0">
+            <a:schemeClr val="accent1"/>
+          </a:effectRef>
+          <a:fontRef idx="minor">
+            <a:schemeClr val="lt1"/>
+          </a:fontRef>
+        </p:style>
+        <p:txBody>
+          <a:bodyPr rtlCol="0" anchor="ctr"/>
+          <a:lstStyle/>
+          <a:p>
+            <a:pPr algn="ctr"/>
+            <a:endParaRPr lang="zh-CN" altLang="en-US"/>
+          </a:p>
+        </p:txBody>
+      </p:sp>
+      <p:sp>
+        <p:nvSpPr>
+          <p:cNvPr id="80" name="矩形 79">
+            <a:extLst>
+              <a:ext uri="{FF2B5EF4-FFF2-40B4-BE49-F238E27FC236}">
+                <a16:creationId xmlns:a16="http://schemas.microsoft.com/office/drawing/2014/main" id="{AA30E5D0-450A-7D5F-4043-5A9DB9ADB947}"/>
+              </a:ext>
+            </a:extLst>
+          </p:cNvPr>
+          <p:cNvSpPr/>
+          <p:nvPr/>
+        </p:nvSpPr>
+        <p:spPr>
+          <a:xfrm>
+            <a:off x="5989259" y="4067304"/>
+            <a:ext cx="123695" cy="530890"/>
+          </a:xfrm>
+          <a:prstGeom prst="rect">
+            <a:avLst/>
+          </a:prstGeom>
+          <a:solidFill>
+            <a:srgbClr val="FFFF05"/>
+          </a:solidFill>
+          <a:ln>
+            <a:noFill/>
+          </a:ln>
+        </p:spPr>
+        <p:style>
+          <a:lnRef idx="2">
+            <a:schemeClr val="accent1">
+              <a:shade val="50000"/>
+            </a:schemeClr>
+          </a:lnRef>
+          <a:fillRef idx="1">
+            <a:schemeClr val="accent1"/>
+          </a:fillRef>
+          <a:effectRef idx="0">
+            <a:schemeClr val="accent1"/>
+          </a:effectRef>
+          <a:fontRef idx="minor">
+            <a:schemeClr val="lt1"/>
+          </a:fontRef>
+        </p:style>
+        <p:txBody>
+          <a:bodyPr rtlCol="0" anchor="ctr"/>
+          <a:lstStyle/>
+          <a:p>
+            <a:pPr algn="ctr"/>
+            <a:endParaRPr lang="zh-CN" altLang="en-US"/>
+          </a:p>
+        </p:txBody>
+      </p:sp>
+      <p:sp>
+        <p:nvSpPr>
+          <p:cNvPr id="81" name="矩形 80">
+            <a:extLst>
+              <a:ext uri="{FF2B5EF4-FFF2-40B4-BE49-F238E27FC236}">
+                <a16:creationId xmlns:a16="http://schemas.microsoft.com/office/drawing/2014/main" id="{7627E08D-2EA5-E9AE-0CC9-5D5AA21BFD63}"/>
+              </a:ext>
+            </a:extLst>
+          </p:cNvPr>
+          <p:cNvSpPr/>
+          <p:nvPr/>
+        </p:nvSpPr>
+        <p:spPr>
+          <a:xfrm>
+            <a:off x="5989259" y="4546722"/>
+            <a:ext cx="451067" cy="51472"/>
+          </a:xfrm>
+          <a:prstGeom prst="rect">
+            <a:avLst/>
+          </a:prstGeom>
+          <a:solidFill>
+            <a:srgbClr val="FFFF05"/>
+          </a:solidFill>
+          <a:ln>
+            <a:noFill/>
+          </a:ln>
+        </p:spPr>
+        <p:style>
+          <a:lnRef idx="2">
+            <a:schemeClr val="accent1">
+              <a:shade val="50000"/>
+            </a:schemeClr>
+          </a:lnRef>
+          <a:fillRef idx="1">
+            <a:schemeClr val="accent1"/>
+          </a:fillRef>
+          <a:effectRef idx="0">
+            <a:schemeClr val="accent1"/>
+          </a:effectRef>
+          <a:fontRef idx="minor">
+            <a:schemeClr val="lt1"/>
+          </a:fontRef>
+        </p:style>
+        <p:txBody>
+          <a:bodyPr rtlCol="0" anchor="ctr"/>
+          <a:lstStyle/>
+          <a:p>
+            <a:pPr algn="ctr"/>
+            <a:endParaRPr lang="zh-CN" altLang="en-US"/>
+          </a:p>
+        </p:txBody>
+      </p:sp>
+      <p:sp>
+        <p:nvSpPr>
+          <p:cNvPr id="83" name="矩形 82">
+            <a:extLst>
+              <a:ext uri="{FF2B5EF4-FFF2-40B4-BE49-F238E27FC236}">
+                <a16:creationId xmlns:a16="http://schemas.microsoft.com/office/drawing/2014/main" id="{CDE30413-18BB-671F-D878-0380120A2D19}"/>
+              </a:ext>
+            </a:extLst>
+          </p:cNvPr>
+          <p:cNvSpPr/>
+          <p:nvPr/>
+        </p:nvSpPr>
+        <p:spPr>
+          <a:xfrm>
+            <a:off x="5645625" y="4096702"/>
+            <a:ext cx="71224" cy="293145"/>
+          </a:xfrm>
+          <a:prstGeom prst="rect">
+            <a:avLst/>
+          </a:prstGeom>
+          <a:solidFill>
+            <a:srgbClr val="00FF00"/>
+          </a:solidFill>
+          <a:ln>
+            <a:noFill/>
+          </a:ln>
+        </p:spPr>
+        <p:style>
+          <a:lnRef idx="2">
+            <a:schemeClr val="accent1">
+              <a:shade val="50000"/>
+            </a:schemeClr>
+          </a:lnRef>
+          <a:fillRef idx="1">
+            <a:schemeClr val="accent1"/>
+          </a:fillRef>
+          <a:effectRef idx="0">
+            <a:schemeClr val="accent1"/>
+          </a:effectRef>
+          <a:fontRef idx="minor">
+            <a:schemeClr val="lt1"/>
+          </a:fontRef>
+        </p:style>
+        <p:txBody>
+          <a:bodyPr rtlCol="0" anchor="ctr"/>
+          <a:lstStyle/>
+          <a:p>
+            <a:pPr algn="ctr"/>
+            <a:endParaRPr lang="zh-CN" altLang="en-US"/>
+          </a:p>
+        </p:txBody>
+      </p:sp>
+      <p:sp>
+        <p:nvSpPr>
+          <p:cNvPr id="84" name="矩形 83">
+            <a:extLst>
+              <a:ext uri="{FF2B5EF4-FFF2-40B4-BE49-F238E27FC236}">
+                <a16:creationId xmlns:a16="http://schemas.microsoft.com/office/drawing/2014/main" id="{987E1226-5886-2805-F664-B0EDA004D3C8}"/>
+              </a:ext>
+            </a:extLst>
+          </p:cNvPr>
+          <p:cNvSpPr/>
+          <p:nvPr/>
+        </p:nvSpPr>
+        <p:spPr>
+          <a:xfrm>
+            <a:off x="5756507" y="4150405"/>
+            <a:ext cx="71224" cy="185737"/>
+          </a:xfrm>
+          <a:prstGeom prst="rect">
+            <a:avLst/>
+          </a:prstGeom>
+          <a:solidFill>
+            <a:srgbClr val="00FF00"/>
+          </a:solidFill>
+          <a:ln>
+            <a:noFill/>
           </a:ln>
         </p:spPr>
         <p:style>
